--- a/MidProject_JDBC/期中專題JDBC.pptx
+++ b/MidProject_JDBC/期中專題JDBC.pptx
@@ -10,6 +10,9 @@
     <p:sldId id="258" r:id="rId4"/>
     <p:sldId id="259" r:id="rId5"/>
     <p:sldId id="260" r:id="rId6"/>
+    <p:sldId id="261" r:id="rId7"/>
+    <p:sldId id="263" r:id="rId8"/>
+    <p:sldId id="262" r:id="rId9"/>
   </p:sldIdLst>
   <p:sldSz cx="9144000" cy="6858000" type="screen4x3"/>
   <p:notesSz cx="6858000" cy="9144000"/>
@@ -495,7 +498,7 @@
           <a:p>
             <a:fld id="{C426A936-7C53-4551-A0C0-65806334C7A6}" type="datetimeFigureOut">
               <a:rPr lang="zh-TW" altLang="en-US" smtClean="0"/>
-              <a:t>2020/3/23</a:t>
+              <a:t>2020/3/26</a:t>
             </a:fld>
             <a:endParaRPr lang="zh-TW" altLang="en-US"/>
           </a:p>
@@ -660,7 +663,7 @@
           <a:p>
             <a:fld id="{C426A936-7C53-4551-A0C0-65806334C7A6}" type="datetimeFigureOut">
               <a:rPr lang="zh-TW" altLang="en-US" smtClean="0"/>
-              <a:t>2020/3/23</a:t>
+              <a:t>2020/3/26</a:t>
             </a:fld>
             <a:endParaRPr lang="zh-TW" altLang="en-US"/>
           </a:p>
@@ -835,7 +838,7 @@
           <a:p>
             <a:fld id="{C426A936-7C53-4551-A0C0-65806334C7A6}" type="datetimeFigureOut">
               <a:rPr lang="zh-TW" altLang="en-US" smtClean="0"/>
-              <a:t>2020/3/23</a:t>
+              <a:t>2020/3/26</a:t>
             </a:fld>
             <a:endParaRPr lang="zh-TW" altLang="en-US"/>
           </a:p>
@@ -1004,7 +1007,7 @@
           <a:p>
             <a:fld id="{C426A936-7C53-4551-A0C0-65806334C7A6}" type="datetimeFigureOut">
               <a:rPr lang="zh-TW" altLang="en-US" smtClean="0"/>
-              <a:t>2020/3/23</a:t>
+              <a:t>2020/3/26</a:t>
             </a:fld>
             <a:endParaRPr lang="zh-TW" altLang="en-US"/>
           </a:p>
@@ -1459,7 +1462,7 @@
           <a:p>
             <a:fld id="{C426A936-7C53-4551-A0C0-65806334C7A6}" type="datetimeFigureOut">
               <a:rPr lang="zh-TW" altLang="en-US" smtClean="0"/>
-              <a:t>2020/3/23</a:t>
+              <a:t>2020/3/26</a:t>
             </a:fld>
             <a:endParaRPr lang="zh-TW" altLang="en-US"/>
           </a:p>
@@ -1723,7 +1726,7 @@
           <a:p>
             <a:fld id="{C426A936-7C53-4551-A0C0-65806334C7A6}" type="datetimeFigureOut">
               <a:rPr lang="zh-TW" altLang="en-US" smtClean="0"/>
-              <a:t>2020/3/23</a:t>
+              <a:t>2020/3/26</a:t>
             </a:fld>
             <a:endParaRPr lang="zh-TW" altLang="en-US"/>
           </a:p>
@@ -2097,7 +2100,7 @@
           <a:p>
             <a:fld id="{C426A936-7C53-4551-A0C0-65806334C7A6}" type="datetimeFigureOut">
               <a:rPr lang="zh-TW" altLang="en-US" smtClean="0"/>
-              <a:t>2020/3/23</a:t>
+              <a:t>2020/3/26</a:t>
             </a:fld>
             <a:endParaRPr lang="zh-TW" altLang="en-US"/>
           </a:p>
@@ -2219,7 +2222,7 @@
           <a:p>
             <a:fld id="{C426A936-7C53-4551-A0C0-65806334C7A6}" type="datetimeFigureOut">
               <a:rPr lang="zh-TW" altLang="en-US" smtClean="0"/>
-              <a:t>2020/3/23</a:t>
+              <a:t>2020/3/26</a:t>
             </a:fld>
             <a:endParaRPr lang="zh-TW" altLang="en-US"/>
           </a:p>
@@ -2309,7 +2312,7 @@
           <a:p>
             <a:fld id="{C426A936-7C53-4551-A0C0-65806334C7A6}" type="datetimeFigureOut">
               <a:rPr lang="zh-TW" altLang="en-US" smtClean="0"/>
-              <a:t>2020/3/23</a:t>
+              <a:t>2020/3/26</a:t>
             </a:fld>
             <a:endParaRPr lang="zh-TW" altLang="en-US"/>
           </a:p>
@@ -2558,7 +2561,7 @@
           <a:p>
             <a:fld id="{C426A936-7C53-4551-A0C0-65806334C7A6}" type="datetimeFigureOut">
               <a:rPr lang="zh-TW" altLang="en-US" smtClean="0"/>
-              <a:t>2020/3/23</a:t>
+              <a:t>2020/3/26</a:t>
             </a:fld>
             <a:endParaRPr lang="zh-TW" altLang="en-US"/>
           </a:p>
@@ -2817,7 +2820,7 @@
           <a:p>
             <a:fld id="{C426A936-7C53-4551-A0C0-65806334C7A6}" type="datetimeFigureOut">
               <a:rPr lang="zh-TW" altLang="en-US" smtClean="0"/>
-              <a:t>2020/3/23</a:t>
+              <a:t>2020/3/26</a:t>
             </a:fld>
             <a:endParaRPr lang="zh-TW" altLang="en-US"/>
           </a:p>
@@ -3221,7 +3224,7 @@
           <a:p>
             <a:fld id="{C426A936-7C53-4551-A0C0-65806334C7A6}" type="datetimeFigureOut">
               <a:rPr lang="zh-TW" altLang="en-US" smtClean="0"/>
-              <a:t>2020/3/23</a:t>
+              <a:t>2020/3/26</a:t>
             </a:fld>
             <a:endParaRPr lang="zh-TW" altLang="en-US"/>
           </a:p>
@@ -3858,11 +3861,8 @@
           <a:p>
             <a:r>
               <a:rPr lang="zh-TW" altLang="en-US" dirty="0" smtClean="0"/>
-              <a:t>結果呈現</a:t>
-            </a:r>
-            <a:endParaRPr lang="en-US" altLang="zh-TW" dirty="0" smtClean="0"/>
-          </a:p>
-          <a:p>
+              <a:t>程式碼節錄</a:t>
+            </a:r>
             <a:endParaRPr lang="zh-TW" altLang="en-US" dirty="0"/>
           </a:p>
         </p:txBody>
@@ -3877,6 +3877,13 @@
   <p:clrMapOvr>
     <a:masterClrMapping/>
   </p:clrMapOvr>
+  <p:timing>
+    <p:tnLst>
+      <p:par>
+        <p:cTn id="1" dur="indefinite" restart="never" nodeType="tmRoot"/>
+      </p:par>
+    </p:tnLst>
+  </p:timing>
 </p:sld>
 </file>
 
@@ -3975,6 +3982,13 @@
   <p:clrMapOvr>
     <a:masterClrMapping/>
   </p:clrMapOvr>
+  <p:timing>
+    <p:tnLst>
+      <p:par>
+        <p:cTn id="1" dur="indefinite" restart="never" nodeType="tmRoot"/>
+      </p:par>
+    </p:tnLst>
+  </p:timing>
 </p:sld>
 </file>
 
@@ -6047,6 +6061,9 @@
               </a:avLst>
             </a:prstGeom>
             <a:ln w="19050">
+              <a:solidFill>
+                <a:srgbClr val="00B050"/>
+              </a:solidFill>
               <a:tailEnd type="arrow"/>
             </a:ln>
           </p:spPr>
@@ -6719,6 +6736,1246 @@
           </a:p>
         </p:txBody>
       </p:sp>
+      <p:cxnSp>
+        <p:nvCxnSpPr>
+          <p:cNvPr id="6" name="肘形接點 5"/>
+          <p:cNvCxnSpPr>
+            <a:endCxn id="37" idx="1"/>
+          </p:cNvCxnSpPr>
+          <p:nvPr/>
+        </p:nvCxnSpPr>
+        <p:spPr>
+          <a:xfrm>
+            <a:off x="5236134" y="1826164"/>
+            <a:ext cx="2369871" cy="268455"/>
+          </a:xfrm>
+          <a:prstGeom prst="bentConnector3">
+            <a:avLst/>
+          </a:prstGeom>
+          <a:ln w="19050">
+            <a:solidFill>
+              <a:srgbClr val="00B050"/>
+            </a:solidFill>
+            <a:tailEnd type="arrow"/>
+          </a:ln>
+        </p:spPr>
+        <p:style>
+          <a:lnRef idx="1">
+            <a:schemeClr val="accent1"/>
+          </a:lnRef>
+          <a:fillRef idx="0">
+            <a:schemeClr val="accent1"/>
+          </a:fillRef>
+          <a:effectRef idx="0">
+            <a:schemeClr val="accent1"/>
+          </a:effectRef>
+          <a:fontRef idx="minor">
+            <a:schemeClr val="tx1"/>
+          </a:fontRef>
+        </p:style>
+      </p:cxnSp>
+      <p:sp>
+        <p:nvSpPr>
+          <p:cNvPr id="73" name="流程圖: 磁碟 72"/>
+          <p:cNvSpPr/>
+          <p:nvPr/>
+        </p:nvSpPr>
+        <p:spPr>
+          <a:xfrm>
+            <a:off x="395536" y="4070960"/>
+            <a:ext cx="652666" cy="693348"/>
+          </a:xfrm>
+          <a:prstGeom prst="flowChartMagneticDisk">
+            <a:avLst/>
+          </a:prstGeom>
+          <a:solidFill>
+            <a:srgbClr val="FFC000"/>
+          </a:solidFill>
+          <a:ln>
+            <a:solidFill>
+              <a:srgbClr val="00B050"/>
+            </a:solidFill>
+          </a:ln>
+        </p:spPr>
+        <p:style>
+          <a:lnRef idx="2">
+            <a:schemeClr val="accent1">
+              <a:shade val="50000"/>
+            </a:schemeClr>
+          </a:lnRef>
+          <a:fillRef idx="1">
+            <a:schemeClr val="accent1"/>
+          </a:fillRef>
+          <a:effectRef idx="0">
+            <a:schemeClr val="accent1"/>
+          </a:effectRef>
+          <a:fontRef idx="minor">
+            <a:schemeClr val="lt1"/>
+          </a:fontRef>
+        </p:style>
+        <p:txBody>
+          <a:bodyPr rtlCol="0" anchor="ctr"/>
+          <a:lstStyle/>
+          <a:p>
+            <a:pPr algn="ctr"/>
+            <a:r>
+              <a:rPr lang="en-US" altLang="zh-TW" sz="1200" dirty="0" smtClean="0"/>
+              <a:t>Order</a:t>
+            </a:r>
+            <a:endParaRPr lang="zh-TW" altLang="en-US" sz="1200" dirty="0"/>
+          </a:p>
+        </p:txBody>
+      </p:sp>
+      <p:sp>
+        <p:nvSpPr>
+          <p:cNvPr id="8" name="向右箭號 7"/>
+          <p:cNvSpPr/>
+          <p:nvPr/>
+        </p:nvSpPr>
+        <p:spPr>
+          <a:xfrm rot="10800000">
+            <a:off x="1067674" y="4198982"/>
+            <a:ext cx="576065" cy="313336"/>
+          </a:xfrm>
+          <a:prstGeom prst="rightArrow">
+            <a:avLst/>
+          </a:prstGeom>
+          <a:solidFill>
+            <a:srgbClr val="FFFF00"/>
+          </a:solidFill>
+        </p:spPr>
+        <p:style>
+          <a:lnRef idx="2">
+            <a:schemeClr val="accent1">
+              <a:shade val="50000"/>
+            </a:schemeClr>
+          </a:lnRef>
+          <a:fillRef idx="1">
+            <a:schemeClr val="accent1"/>
+          </a:fillRef>
+          <a:effectRef idx="0">
+            <a:schemeClr val="accent1"/>
+          </a:effectRef>
+          <a:fontRef idx="minor">
+            <a:schemeClr val="lt1"/>
+          </a:fontRef>
+        </p:style>
+        <p:txBody>
+          <a:bodyPr rtlCol="0" anchor="ctr"/>
+          <a:lstStyle/>
+          <a:p>
+            <a:pPr algn="ctr"/>
+            <a:endParaRPr lang="zh-TW" altLang="en-US"/>
+          </a:p>
+        </p:txBody>
+      </p:sp>
+      <p:sp>
+        <p:nvSpPr>
+          <p:cNvPr id="78" name="向右箭號 77"/>
+          <p:cNvSpPr/>
+          <p:nvPr/>
+        </p:nvSpPr>
+        <p:spPr>
+          <a:xfrm>
+            <a:off x="2507035" y="4977281"/>
+            <a:ext cx="576065" cy="313336"/>
+          </a:xfrm>
+          <a:prstGeom prst="rightArrow">
+            <a:avLst/>
+          </a:prstGeom>
+          <a:solidFill>
+            <a:srgbClr val="00B0F0"/>
+          </a:solidFill>
+          <a:ln>
+            <a:solidFill>
+              <a:srgbClr val="00B0F0"/>
+            </a:solidFill>
+          </a:ln>
+        </p:spPr>
+        <p:style>
+          <a:lnRef idx="2">
+            <a:schemeClr val="accent1">
+              <a:shade val="50000"/>
+            </a:schemeClr>
+          </a:lnRef>
+          <a:fillRef idx="1">
+            <a:schemeClr val="accent1"/>
+          </a:fillRef>
+          <a:effectRef idx="0">
+            <a:schemeClr val="accent1"/>
+          </a:effectRef>
+          <a:fontRef idx="minor">
+            <a:schemeClr val="lt1"/>
+          </a:fontRef>
+        </p:style>
+        <p:txBody>
+          <a:bodyPr rtlCol="0" anchor="ctr"/>
+          <a:lstStyle/>
+          <a:p>
+            <a:pPr algn="ctr"/>
+            <a:endParaRPr lang="zh-TW" altLang="en-US"/>
+          </a:p>
+        </p:txBody>
+      </p:sp>
+      <p:sp>
+        <p:nvSpPr>
+          <p:cNvPr id="80" name="流程圖: 磁碟 79"/>
+          <p:cNvSpPr/>
+          <p:nvPr/>
+        </p:nvSpPr>
+        <p:spPr>
+          <a:xfrm>
+            <a:off x="1742530" y="5432801"/>
+            <a:ext cx="652666" cy="453673"/>
+          </a:xfrm>
+          <a:prstGeom prst="flowChartMagneticDisk">
+            <a:avLst/>
+          </a:prstGeom>
+          <a:solidFill>
+            <a:srgbClr val="FFC000"/>
+          </a:solidFill>
+          <a:ln>
+            <a:solidFill>
+              <a:srgbClr val="00B050"/>
+            </a:solidFill>
+          </a:ln>
+        </p:spPr>
+        <p:style>
+          <a:lnRef idx="2">
+            <a:schemeClr val="accent1">
+              <a:shade val="50000"/>
+            </a:schemeClr>
+          </a:lnRef>
+          <a:fillRef idx="1">
+            <a:schemeClr val="accent1"/>
+          </a:fillRef>
+          <a:effectRef idx="0">
+            <a:schemeClr val="accent1"/>
+          </a:effectRef>
+          <a:fontRef idx="minor">
+            <a:schemeClr val="lt1"/>
+          </a:fontRef>
+        </p:style>
+        <p:txBody>
+          <a:bodyPr rtlCol="0" anchor="ctr"/>
+          <a:lstStyle/>
+          <a:p>
+            <a:pPr algn="ctr"/>
+            <a:r>
+              <a:rPr lang="en-US" altLang="zh-TW" sz="1200" dirty="0" smtClean="0"/>
+              <a:t>Meal</a:t>
+            </a:r>
+            <a:endParaRPr lang="zh-TW" altLang="en-US" sz="1200" dirty="0"/>
+          </a:p>
+        </p:txBody>
+      </p:sp>
+      <p:sp>
+        <p:nvSpPr>
+          <p:cNvPr id="79" name="流程圖: 磁碟 78"/>
+          <p:cNvSpPr/>
+          <p:nvPr/>
+        </p:nvSpPr>
+        <p:spPr>
+          <a:xfrm>
+            <a:off x="1742530" y="5148204"/>
+            <a:ext cx="652666" cy="453673"/>
+          </a:xfrm>
+          <a:prstGeom prst="flowChartMagneticDisk">
+            <a:avLst/>
+          </a:prstGeom>
+          <a:solidFill>
+            <a:srgbClr val="FFC000"/>
+          </a:solidFill>
+          <a:ln>
+            <a:solidFill>
+              <a:srgbClr val="00B050"/>
+            </a:solidFill>
+          </a:ln>
+        </p:spPr>
+        <p:style>
+          <a:lnRef idx="2">
+            <a:schemeClr val="accent1">
+              <a:shade val="50000"/>
+            </a:schemeClr>
+          </a:lnRef>
+          <a:fillRef idx="1">
+            <a:schemeClr val="accent1"/>
+          </a:fillRef>
+          <a:effectRef idx="0">
+            <a:schemeClr val="accent1"/>
+          </a:effectRef>
+          <a:fontRef idx="minor">
+            <a:schemeClr val="lt1"/>
+          </a:fontRef>
+        </p:style>
+        <p:txBody>
+          <a:bodyPr rtlCol="0" anchor="ctr"/>
+          <a:lstStyle/>
+          <a:p>
+            <a:pPr algn="ctr"/>
+            <a:r>
+              <a:rPr lang="en-US" altLang="zh-TW" sz="1200" dirty="0" smtClean="0"/>
+              <a:t>Order</a:t>
+            </a:r>
+            <a:endParaRPr lang="zh-TW" altLang="en-US" sz="1200" dirty="0"/>
+          </a:p>
+        </p:txBody>
+      </p:sp>
+      <p:sp>
+        <p:nvSpPr>
+          <p:cNvPr id="76" name="流程圖: 磁碟 75"/>
+          <p:cNvSpPr/>
+          <p:nvPr/>
+        </p:nvSpPr>
+        <p:spPr>
+          <a:xfrm>
+            <a:off x="1742530" y="4836944"/>
+            <a:ext cx="652666" cy="453673"/>
+          </a:xfrm>
+          <a:prstGeom prst="flowChartMagneticDisk">
+            <a:avLst/>
+          </a:prstGeom>
+          <a:solidFill>
+            <a:srgbClr val="FFC000"/>
+          </a:solidFill>
+          <a:ln>
+            <a:solidFill>
+              <a:srgbClr val="00B050"/>
+            </a:solidFill>
+          </a:ln>
+        </p:spPr>
+        <p:style>
+          <a:lnRef idx="2">
+            <a:schemeClr val="accent1">
+              <a:shade val="50000"/>
+            </a:schemeClr>
+          </a:lnRef>
+          <a:fillRef idx="1">
+            <a:schemeClr val="accent1"/>
+          </a:fillRef>
+          <a:effectRef idx="0">
+            <a:schemeClr val="accent1"/>
+          </a:effectRef>
+          <a:fontRef idx="minor">
+            <a:schemeClr val="lt1"/>
+          </a:fontRef>
+        </p:style>
+        <p:txBody>
+          <a:bodyPr rtlCol="0" anchor="ctr"/>
+          <a:lstStyle/>
+          <a:p>
+            <a:pPr algn="ctr"/>
+            <a:r>
+              <a:rPr lang="en-US" altLang="zh-TW" sz="1200" dirty="0" smtClean="0"/>
+              <a:t>Profile</a:t>
+            </a:r>
+            <a:endParaRPr lang="zh-TW" altLang="en-US" sz="1200" dirty="0"/>
+          </a:p>
+        </p:txBody>
+      </p:sp>
+      <p:sp>
+        <p:nvSpPr>
+          <p:cNvPr id="81" name="流程圖: 磁碟 80"/>
+          <p:cNvSpPr/>
+          <p:nvPr/>
+        </p:nvSpPr>
+        <p:spPr>
+          <a:xfrm>
+            <a:off x="1763688" y="6068424"/>
+            <a:ext cx="652666" cy="693348"/>
+          </a:xfrm>
+          <a:prstGeom prst="flowChartMagneticDisk">
+            <a:avLst/>
+          </a:prstGeom>
+          <a:solidFill>
+            <a:srgbClr val="FFC000"/>
+          </a:solidFill>
+          <a:ln>
+            <a:solidFill>
+              <a:srgbClr val="00B050"/>
+            </a:solidFill>
+          </a:ln>
+        </p:spPr>
+        <p:style>
+          <a:lnRef idx="2">
+            <a:schemeClr val="accent1">
+              <a:shade val="50000"/>
+            </a:schemeClr>
+          </a:lnRef>
+          <a:fillRef idx="1">
+            <a:schemeClr val="accent1"/>
+          </a:fillRef>
+          <a:effectRef idx="0">
+            <a:schemeClr val="accent1"/>
+          </a:effectRef>
+          <a:fontRef idx="minor">
+            <a:schemeClr val="lt1"/>
+          </a:fontRef>
+        </p:style>
+        <p:txBody>
+          <a:bodyPr rtlCol="0" anchor="ctr"/>
+          <a:lstStyle/>
+          <a:p>
+            <a:pPr algn="ctr"/>
+            <a:r>
+              <a:rPr lang="en-US" altLang="zh-TW" sz="1200" dirty="0" smtClean="0"/>
+              <a:t>Order</a:t>
+            </a:r>
+            <a:endParaRPr lang="zh-TW" altLang="en-US" sz="1200" dirty="0"/>
+          </a:p>
+        </p:txBody>
+      </p:sp>
+      <p:sp>
+        <p:nvSpPr>
+          <p:cNvPr id="82" name="向右箭號 81"/>
+          <p:cNvSpPr/>
+          <p:nvPr/>
+        </p:nvSpPr>
+        <p:spPr>
+          <a:xfrm rot="10800000">
+            <a:off x="2436893" y="6381877"/>
+            <a:ext cx="576065" cy="313336"/>
+          </a:xfrm>
+          <a:prstGeom prst="rightArrow">
+            <a:avLst/>
+          </a:prstGeom>
+          <a:solidFill>
+            <a:srgbClr val="C00000"/>
+          </a:solidFill>
+        </p:spPr>
+        <p:style>
+          <a:lnRef idx="2">
+            <a:schemeClr val="accent1">
+              <a:shade val="50000"/>
+            </a:schemeClr>
+          </a:lnRef>
+          <a:fillRef idx="1">
+            <a:schemeClr val="accent1"/>
+          </a:fillRef>
+          <a:effectRef idx="0">
+            <a:schemeClr val="accent1"/>
+          </a:effectRef>
+          <a:fontRef idx="minor">
+            <a:schemeClr val="lt1"/>
+          </a:fontRef>
+        </p:style>
+        <p:txBody>
+          <a:bodyPr rtlCol="0" anchor="ctr"/>
+          <a:lstStyle/>
+          <a:p>
+            <a:pPr algn="ctr"/>
+            <a:endParaRPr lang="zh-TW" altLang="en-US"/>
+          </a:p>
+        </p:txBody>
+      </p:sp>
+      <p:sp>
+        <p:nvSpPr>
+          <p:cNvPr id="83" name="矩形 82"/>
+          <p:cNvSpPr/>
+          <p:nvPr/>
+        </p:nvSpPr>
+        <p:spPr>
+          <a:xfrm>
+            <a:off x="6586743" y="2765587"/>
+            <a:ext cx="1784654" cy="372063"/>
+          </a:xfrm>
+          <a:prstGeom prst="rect">
+            <a:avLst/>
+          </a:prstGeom>
+          <a:noFill/>
+          <a:ln w="38100">
+            <a:solidFill>
+              <a:srgbClr val="FF0000"/>
+            </a:solidFill>
+          </a:ln>
+        </p:spPr>
+        <p:style>
+          <a:lnRef idx="2">
+            <a:schemeClr val="accent1">
+              <a:shade val="50000"/>
+            </a:schemeClr>
+          </a:lnRef>
+          <a:fillRef idx="1">
+            <a:schemeClr val="accent1"/>
+          </a:fillRef>
+          <a:effectRef idx="0">
+            <a:schemeClr val="accent1"/>
+          </a:effectRef>
+          <a:fontRef idx="minor">
+            <a:schemeClr val="lt1"/>
+          </a:fontRef>
+        </p:style>
+        <p:txBody>
+          <a:bodyPr rtlCol="0" anchor="ctr"/>
+          <a:lstStyle/>
+          <a:p>
+            <a:pPr algn="ctr"/>
+            <a:endParaRPr lang="zh-TW" altLang="en-US"/>
+          </a:p>
+        </p:txBody>
+      </p:sp>
+      <p:sp>
+        <p:nvSpPr>
+          <p:cNvPr id="84" name="流程圖: 磁碟 83"/>
+          <p:cNvSpPr/>
+          <p:nvPr/>
+        </p:nvSpPr>
+        <p:spPr>
+          <a:xfrm>
+            <a:off x="7119067" y="5229259"/>
+            <a:ext cx="652666" cy="693348"/>
+          </a:xfrm>
+          <a:prstGeom prst="flowChartMagneticDisk">
+            <a:avLst/>
+          </a:prstGeom>
+          <a:solidFill>
+            <a:srgbClr val="FFC000"/>
+          </a:solidFill>
+          <a:ln>
+            <a:solidFill>
+              <a:srgbClr val="00B050"/>
+            </a:solidFill>
+          </a:ln>
+        </p:spPr>
+        <p:style>
+          <a:lnRef idx="2">
+            <a:schemeClr val="accent1">
+              <a:shade val="50000"/>
+            </a:schemeClr>
+          </a:lnRef>
+          <a:fillRef idx="1">
+            <a:schemeClr val="accent1"/>
+          </a:fillRef>
+          <a:effectRef idx="0">
+            <a:schemeClr val="accent1"/>
+          </a:effectRef>
+          <a:fontRef idx="minor">
+            <a:schemeClr val="lt1"/>
+          </a:fontRef>
+        </p:style>
+        <p:txBody>
+          <a:bodyPr rtlCol="0" anchor="ctr"/>
+          <a:lstStyle/>
+          <a:p>
+            <a:pPr algn="ctr"/>
+            <a:r>
+              <a:rPr lang="en-US" altLang="zh-TW" sz="1200" dirty="0" smtClean="0"/>
+              <a:t>Meal</a:t>
+            </a:r>
+          </a:p>
+        </p:txBody>
+      </p:sp>
+      <p:sp>
+        <p:nvSpPr>
+          <p:cNvPr id="85" name="向右箭號 84"/>
+          <p:cNvSpPr/>
+          <p:nvPr/>
+        </p:nvSpPr>
+        <p:spPr>
+          <a:xfrm rot="1345050">
+            <a:off x="6505022" y="5164594"/>
+            <a:ext cx="576065" cy="313336"/>
+          </a:xfrm>
+          <a:prstGeom prst="rightArrow">
+            <a:avLst/>
+          </a:prstGeom>
+          <a:solidFill>
+            <a:srgbClr val="FFFF00"/>
+          </a:solidFill>
+        </p:spPr>
+        <p:style>
+          <a:lnRef idx="2">
+            <a:schemeClr val="accent1">
+              <a:shade val="50000"/>
+            </a:schemeClr>
+          </a:lnRef>
+          <a:fillRef idx="1">
+            <a:schemeClr val="accent1"/>
+          </a:fillRef>
+          <a:effectRef idx="0">
+            <a:schemeClr val="accent1"/>
+          </a:effectRef>
+          <a:fontRef idx="minor">
+            <a:schemeClr val="lt1"/>
+          </a:fontRef>
+        </p:style>
+        <p:txBody>
+          <a:bodyPr rtlCol="0" anchor="ctr"/>
+          <a:lstStyle/>
+          <a:p>
+            <a:pPr algn="ctr"/>
+            <a:endParaRPr lang="zh-TW" altLang="en-US"/>
+          </a:p>
+        </p:txBody>
+      </p:sp>
+      <p:sp>
+        <p:nvSpPr>
+          <p:cNvPr id="86" name="流程圖: 磁碟 85"/>
+          <p:cNvSpPr/>
+          <p:nvPr/>
+        </p:nvSpPr>
+        <p:spPr>
+          <a:xfrm>
+            <a:off x="8230349" y="5926342"/>
+            <a:ext cx="652666" cy="693348"/>
+          </a:xfrm>
+          <a:prstGeom prst="flowChartMagneticDisk">
+            <a:avLst/>
+          </a:prstGeom>
+          <a:solidFill>
+            <a:srgbClr val="FFC000"/>
+          </a:solidFill>
+          <a:ln>
+            <a:solidFill>
+              <a:srgbClr val="00B050"/>
+            </a:solidFill>
+          </a:ln>
+        </p:spPr>
+        <p:style>
+          <a:lnRef idx="2">
+            <a:schemeClr val="accent1">
+              <a:shade val="50000"/>
+            </a:schemeClr>
+          </a:lnRef>
+          <a:fillRef idx="1">
+            <a:schemeClr val="accent1"/>
+          </a:fillRef>
+          <a:effectRef idx="0">
+            <a:schemeClr val="accent1"/>
+          </a:effectRef>
+          <a:fontRef idx="minor">
+            <a:schemeClr val="lt1"/>
+          </a:fontRef>
+        </p:style>
+        <p:txBody>
+          <a:bodyPr rtlCol="0" anchor="ctr"/>
+          <a:lstStyle/>
+          <a:p>
+            <a:pPr algn="ctr"/>
+            <a:r>
+              <a:rPr lang="en-US" altLang="zh-TW" sz="1200" dirty="0" smtClean="0"/>
+              <a:t>Order</a:t>
+            </a:r>
+          </a:p>
+        </p:txBody>
+      </p:sp>
+      <p:sp>
+        <p:nvSpPr>
+          <p:cNvPr id="87" name="向右箭號 86"/>
+          <p:cNvSpPr/>
+          <p:nvPr/>
+        </p:nvSpPr>
+        <p:spPr>
+          <a:xfrm rot="5400000">
+            <a:off x="8260199" y="5408606"/>
+            <a:ext cx="576065" cy="313336"/>
+          </a:xfrm>
+          <a:prstGeom prst="rightArrow">
+            <a:avLst/>
+          </a:prstGeom>
+          <a:solidFill>
+            <a:srgbClr val="FFFF00"/>
+          </a:solidFill>
+        </p:spPr>
+        <p:style>
+          <a:lnRef idx="2">
+            <a:schemeClr val="accent1">
+              <a:shade val="50000"/>
+            </a:schemeClr>
+          </a:lnRef>
+          <a:fillRef idx="1">
+            <a:schemeClr val="accent1"/>
+          </a:fillRef>
+          <a:effectRef idx="0">
+            <a:schemeClr val="accent1"/>
+          </a:effectRef>
+          <a:fontRef idx="minor">
+            <a:schemeClr val="lt1"/>
+          </a:fontRef>
+        </p:style>
+        <p:txBody>
+          <a:bodyPr rtlCol="0" anchor="ctr"/>
+          <a:lstStyle/>
+          <a:p>
+            <a:pPr algn="ctr"/>
+            <a:endParaRPr lang="zh-TW" altLang="en-US"/>
+          </a:p>
+        </p:txBody>
+      </p:sp>
+      <p:sp>
+        <p:nvSpPr>
+          <p:cNvPr id="88" name="向右箭號 87"/>
+          <p:cNvSpPr/>
+          <p:nvPr/>
+        </p:nvSpPr>
+        <p:spPr>
+          <a:xfrm>
+            <a:off x="5890977" y="2794950"/>
+            <a:ext cx="576065" cy="313336"/>
+          </a:xfrm>
+          <a:prstGeom prst="rightArrow">
+            <a:avLst/>
+          </a:prstGeom>
+          <a:solidFill>
+            <a:srgbClr val="00B0F0"/>
+          </a:solidFill>
+          <a:ln>
+            <a:solidFill>
+              <a:srgbClr val="00B0F0"/>
+            </a:solidFill>
+          </a:ln>
+        </p:spPr>
+        <p:style>
+          <a:lnRef idx="2">
+            <a:schemeClr val="accent1">
+              <a:shade val="50000"/>
+            </a:schemeClr>
+          </a:lnRef>
+          <a:fillRef idx="1">
+            <a:schemeClr val="accent1"/>
+          </a:fillRef>
+          <a:effectRef idx="0">
+            <a:schemeClr val="accent1"/>
+          </a:effectRef>
+          <a:fontRef idx="minor">
+            <a:schemeClr val="lt1"/>
+          </a:fontRef>
+        </p:style>
+        <p:txBody>
+          <a:bodyPr rtlCol="0" anchor="ctr"/>
+          <a:lstStyle/>
+          <a:p>
+            <a:pPr algn="ctr"/>
+            <a:endParaRPr lang="zh-TW" altLang="en-US"/>
+          </a:p>
+        </p:txBody>
+      </p:sp>
+      <p:sp>
+        <p:nvSpPr>
+          <p:cNvPr id="89" name="流程圖: 磁碟 88"/>
+          <p:cNvSpPr/>
+          <p:nvPr/>
+        </p:nvSpPr>
+        <p:spPr>
+          <a:xfrm>
+            <a:off x="5126472" y="3250470"/>
+            <a:ext cx="652666" cy="453673"/>
+          </a:xfrm>
+          <a:prstGeom prst="flowChartMagneticDisk">
+            <a:avLst/>
+          </a:prstGeom>
+          <a:solidFill>
+            <a:srgbClr val="FFC000"/>
+          </a:solidFill>
+          <a:ln>
+            <a:solidFill>
+              <a:srgbClr val="00B050"/>
+            </a:solidFill>
+          </a:ln>
+        </p:spPr>
+        <p:style>
+          <a:lnRef idx="2">
+            <a:schemeClr val="accent1">
+              <a:shade val="50000"/>
+            </a:schemeClr>
+          </a:lnRef>
+          <a:fillRef idx="1">
+            <a:schemeClr val="accent1"/>
+          </a:fillRef>
+          <a:effectRef idx="0">
+            <a:schemeClr val="accent1"/>
+          </a:effectRef>
+          <a:fontRef idx="minor">
+            <a:schemeClr val="lt1"/>
+          </a:fontRef>
+        </p:style>
+        <p:txBody>
+          <a:bodyPr rtlCol="0" anchor="ctr"/>
+          <a:lstStyle/>
+          <a:p>
+            <a:pPr algn="ctr"/>
+            <a:r>
+              <a:rPr lang="en-US" altLang="zh-TW" sz="1200" dirty="0" smtClean="0"/>
+              <a:t>Meal</a:t>
+            </a:r>
+            <a:endParaRPr lang="zh-TW" altLang="en-US" sz="1200" dirty="0"/>
+          </a:p>
+        </p:txBody>
+      </p:sp>
+      <p:sp>
+        <p:nvSpPr>
+          <p:cNvPr id="90" name="流程圖: 磁碟 89"/>
+          <p:cNvSpPr/>
+          <p:nvPr/>
+        </p:nvSpPr>
+        <p:spPr>
+          <a:xfrm>
+            <a:off x="5126472" y="2965873"/>
+            <a:ext cx="652666" cy="453673"/>
+          </a:xfrm>
+          <a:prstGeom prst="flowChartMagneticDisk">
+            <a:avLst/>
+          </a:prstGeom>
+          <a:solidFill>
+            <a:srgbClr val="FFC000"/>
+          </a:solidFill>
+          <a:ln>
+            <a:solidFill>
+              <a:srgbClr val="00B050"/>
+            </a:solidFill>
+          </a:ln>
+        </p:spPr>
+        <p:style>
+          <a:lnRef idx="2">
+            <a:schemeClr val="accent1">
+              <a:shade val="50000"/>
+            </a:schemeClr>
+          </a:lnRef>
+          <a:fillRef idx="1">
+            <a:schemeClr val="accent1"/>
+          </a:fillRef>
+          <a:effectRef idx="0">
+            <a:schemeClr val="accent1"/>
+          </a:effectRef>
+          <a:fontRef idx="minor">
+            <a:schemeClr val="lt1"/>
+          </a:fontRef>
+        </p:style>
+        <p:txBody>
+          <a:bodyPr rtlCol="0" anchor="ctr"/>
+          <a:lstStyle/>
+          <a:p>
+            <a:pPr algn="ctr"/>
+            <a:r>
+              <a:rPr lang="en-US" altLang="zh-TW" sz="1200" dirty="0" smtClean="0"/>
+              <a:t>Order</a:t>
+            </a:r>
+            <a:endParaRPr lang="zh-TW" altLang="en-US" sz="1200" dirty="0"/>
+          </a:p>
+        </p:txBody>
+      </p:sp>
+      <p:sp>
+        <p:nvSpPr>
+          <p:cNvPr id="91" name="流程圖: 磁碟 90"/>
+          <p:cNvSpPr/>
+          <p:nvPr/>
+        </p:nvSpPr>
+        <p:spPr>
+          <a:xfrm>
+            <a:off x="5126472" y="2654613"/>
+            <a:ext cx="652666" cy="453673"/>
+          </a:xfrm>
+          <a:prstGeom prst="flowChartMagneticDisk">
+            <a:avLst/>
+          </a:prstGeom>
+          <a:solidFill>
+            <a:srgbClr val="FFC000"/>
+          </a:solidFill>
+          <a:ln>
+            <a:solidFill>
+              <a:srgbClr val="00B050"/>
+            </a:solidFill>
+          </a:ln>
+        </p:spPr>
+        <p:style>
+          <a:lnRef idx="2">
+            <a:schemeClr val="accent1">
+              <a:shade val="50000"/>
+            </a:schemeClr>
+          </a:lnRef>
+          <a:fillRef idx="1">
+            <a:schemeClr val="accent1"/>
+          </a:fillRef>
+          <a:effectRef idx="0">
+            <a:schemeClr val="accent1"/>
+          </a:effectRef>
+          <a:fontRef idx="minor">
+            <a:schemeClr val="lt1"/>
+          </a:fontRef>
+        </p:style>
+        <p:txBody>
+          <a:bodyPr rtlCol="0" anchor="ctr"/>
+          <a:lstStyle/>
+          <a:p>
+            <a:pPr algn="ctr"/>
+            <a:r>
+              <a:rPr lang="en-US" altLang="zh-TW" sz="1200" dirty="0" smtClean="0"/>
+              <a:t>Profile</a:t>
+            </a:r>
+            <a:endParaRPr lang="zh-TW" altLang="en-US" sz="1200" dirty="0"/>
+          </a:p>
+        </p:txBody>
+      </p:sp>
+      <p:sp>
+        <p:nvSpPr>
+          <p:cNvPr id="9" name="流程圖: 內部儲存裝置 8"/>
+          <p:cNvSpPr/>
+          <p:nvPr/>
+        </p:nvSpPr>
+        <p:spPr>
+          <a:xfrm>
+            <a:off x="165128" y="2519164"/>
+            <a:ext cx="1008112" cy="699813"/>
+          </a:xfrm>
+          <a:prstGeom prst="flowChartInternalStorage">
+            <a:avLst/>
+          </a:prstGeom>
+          <a:solidFill>
+            <a:srgbClr val="2EDEF0"/>
+          </a:solidFill>
+        </p:spPr>
+        <p:style>
+          <a:lnRef idx="2">
+            <a:schemeClr val="accent1">
+              <a:shade val="50000"/>
+            </a:schemeClr>
+          </a:lnRef>
+          <a:fillRef idx="1">
+            <a:schemeClr val="accent1"/>
+          </a:fillRef>
+          <a:effectRef idx="0">
+            <a:schemeClr val="accent1"/>
+          </a:effectRef>
+          <a:fontRef idx="minor">
+            <a:schemeClr val="lt1"/>
+          </a:fontRef>
+        </p:style>
+        <p:txBody>
+          <a:bodyPr rtlCol="0" anchor="ctr"/>
+          <a:lstStyle/>
+          <a:p>
+            <a:pPr algn="ctr"/>
+            <a:r>
+              <a:rPr lang="en-US" altLang="zh-TW" dirty="0" smtClean="0"/>
+              <a:t>Web</a:t>
+            </a:r>
+            <a:endParaRPr lang="zh-TW" altLang="en-US" dirty="0"/>
+          </a:p>
+        </p:txBody>
+      </p:sp>
+      <p:sp>
+        <p:nvSpPr>
+          <p:cNvPr id="92" name="流程圖: 磁碟 91"/>
+          <p:cNvSpPr/>
+          <p:nvPr/>
+        </p:nvSpPr>
+        <p:spPr>
+          <a:xfrm>
+            <a:off x="1854369" y="2534775"/>
+            <a:ext cx="652666" cy="693348"/>
+          </a:xfrm>
+          <a:prstGeom prst="flowChartMagneticDisk">
+            <a:avLst/>
+          </a:prstGeom>
+          <a:solidFill>
+            <a:srgbClr val="FFC000"/>
+          </a:solidFill>
+          <a:ln>
+            <a:solidFill>
+              <a:srgbClr val="00B050"/>
+            </a:solidFill>
+          </a:ln>
+        </p:spPr>
+        <p:style>
+          <a:lnRef idx="2">
+            <a:schemeClr val="accent1">
+              <a:shade val="50000"/>
+            </a:schemeClr>
+          </a:lnRef>
+          <a:fillRef idx="1">
+            <a:schemeClr val="accent1"/>
+          </a:fillRef>
+          <a:effectRef idx="0">
+            <a:schemeClr val="accent1"/>
+          </a:effectRef>
+          <a:fontRef idx="minor">
+            <a:schemeClr val="lt1"/>
+          </a:fontRef>
+        </p:style>
+        <p:txBody>
+          <a:bodyPr rtlCol="0" anchor="ctr"/>
+          <a:lstStyle/>
+          <a:p>
+            <a:pPr algn="ctr"/>
+            <a:r>
+              <a:rPr lang="en-US" altLang="zh-TW" sz="1200" dirty="0" smtClean="0"/>
+              <a:t>Meal</a:t>
+            </a:r>
+            <a:endParaRPr lang="zh-TW" altLang="en-US" sz="1200" dirty="0"/>
+          </a:p>
+        </p:txBody>
+      </p:sp>
+      <p:sp>
+        <p:nvSpPr>
+          <p:cNvPr id="93" name="向右箭號 92"/>
+          <p:cNvSpPr/>
+          <p:nvPr/>
+        </p:nvSpPr>
+        <p:spPr>
+          <a:xfrm>
+            <a:off x="2522911" y="2757516"/>
+            <a:ext cx="576065" cy="313336"/>
+          </a:xfrm>
+          <a:prstGeom prst="rightArrow">
+            <a:avLst/>
+          </a:prstGeom>
+          <a:solidFill>
+            <a:srgbClr val="FFFF00"/>
+          </a:solidFill>
+        </p:spPr>
+        <p:style>
+          <a:lnRef idx="2">
+            <a:schemeClr val="accent1">
+              <a:shade val="50000"/>
+            </a:schemeClr>
+          </a:lnRef>
+          <a:fillRef idx="1">
+            <a:schemeClr val="accent1"/>
+          </a:fillRef>
+          <a:effectRef idx="0">
+            <a:schemeClr val="accent1"/>
+          </a:effectRef>
+          <a:fontRef idx="minor">
+            <a:schemeClr val="lt1"/>
+          </a:fontRef>
+        </p:style>
+        <p:txBody>
+          <a:bodyPr rtlCol="0" anchor="ctr"/>
+          <a:lstStyle/>
+          <a:p>
+            <a:pPr algn="ctr"/>
+            <a:endParaRPr lang="zh-TW" altLang="en-US"/>
+          </a:p>
+        </p:txBody>
+      </p:sp>
+      <p:sp>
+        <p:nvSpPr>
+          <p:cNvPr id="94" name="向右箭號 93"/>
+          <p:cNvSpPr/>
+          <p:nvPr/>
+        </p:nvSpPr>
+        <p:spPr>
+          <a:xfrm>
+            <a:off x="1213371" y="2747991"/>
+            <a:ext cx="576065" cy="313336"/>
+          </a:xfrm>
+          <a:prstGeom prst="rightArrow">
+            <a:avLst/>
+          </a:prstGeom>
+          <a:solidFill>
+            <a:srgbClr val="FFFF00"/>
+          </a:solidFill>
+        </p:spPr>
+        <p:style>
+          <a:lnRef idx="2">
+            <a:schemeClr val="accent1">
+              <a:shade val="50000"/>
+            </a:schemeClr>
+          </a:lnRef>
+          <a:fillRef idx="1">
+            <a:schemeClr val="accent1"/>
+          </a:fillRef>
+          <a:effectRef idx="0">
+            <a:schemeClr val="accent1"/>
+          </a:effectRef>
+          <a:fontRef idx="minor">
+            <a:schemeClr val="lt1"/>
+          </a:fontRef>
+        </p:style>
+        <p:txBody>
+          <a:bodyPr rtlCol="0" anchor="ctr"/>
+          <a:lstStyle/>
+          <a:p>
+            <a:pPr algn="ctr"/>
+            <a:endParaRPr lang="zh-TW" altLang="en-US"/>
+          </a:p>
+        </p:txBody>
+      </p:sp>
+      <p:sp>
+        <p:nvSpPr>
+          <p:cNvPr id="95" name="流程圖: 內部儲存裝置 94"/>
+          <p:cNvSpPr/>
+          <p:nvPr/>
+        </p:nvSpPr>
+        <p:spPr>
+          <a:xfrm>
+            <a:off x="2002979" y="2554752"/>
+            <a:ext cx="1008112" cy="699813"/>
+          </a:xfrm>
+          <a:prstGeom prst="flowChartInternalStorage">
+            <a:avLst/>
+          </a:prstGeom>
+          <a:solidFill>
+            <a:srgbClr val="2EDEF0"/>
+          </a:solidFill>
+        </p:spPr>
+        <p:style>
+          <a:lnRef idx="2">
+            <a:schemeClr val="accent1">
+              <a:shade val="50000"/>
+            </a:schemeClr>
+          </a:lnRef>
+          <a:fillRef idx="1">
+            <a:schemeClr val="accent1"/>
+          </a:fillRef>
+          <a:effectRef idx="0">
+            <a:schemeClr val="accent1"/>
+          </a:effectRef>
+          <a:fontRef idx="minor">
+            <a:schemeClr val="lt1"/>
+          </a:fontRef>
+        </p:style>
+        <p:txBody>
+          <a:bodyPr rtlCol="0" anchor="ctr"/>
+          <a:lstStyle/>
+          <a:p>
+            <a:pPr algn="ctr"/>
+            <a:r>
+              <a:rPr lang="en-US" altLang="zh-TW" dirty="0" smtClean="0"/>
+              <a:t>Web</a:t>
+            </a:r>
+            <a:endParaRPr lang="zh-TW" altLang="en-US" dirty="0"/>
+          </a:p>
+        </p:txBody>
+      </p:sp>
+      <p:sp>
+        <p:nvSpPr>
+          <p:cNvPr id="96" name="流程圖: 磁碟 95"/>
+          <p:cNvSpPr/>
+          <p:nvPr/>
+        </p:nvSpPr>
+        <p:spPr>
+          <a:xfrm>
+            <a:off x="3692220" y="2570363"/>
+            <a:ext cx="652666" cy="693348"/>
+          </a:xfrm>
+          <a:prstGeom prst="flowChartMagneticDisk">
+            <a:avLst/>
+          </a:prstGeom>
+          <a:solidFill>
+            <a:srgbClr val="FFC000"/>
+          </a:solidFill>
+          <a:ln>
+            <a:solidFill>
+              <a:srgbClr val="00B050"/>
+            </a:solidFill>
+          </a:ln>
+        </p:spPr>
+        <p:style>
+          <a:lnRef idx="2">
+            <a:schemeClr val="accent1">
+              <a:shade val="50000"/>
+            </a:schemeClr>
+          </a:lnRef>
+          <a:fillRef idx="1">
+            <a:schemeClr val="accent1"/>
+          </a:fillRef>
+          <a:effectRef idx="0">
+            <a:schemeClr val="accent1"/>
+          </a:effectRef>
+          <a:fontRef idx="minor">
+            <a:schemeClr val="lt1"/>
+          </a:fontRef>
+        </p:style>
+        <p:txBody>
+          <a:bodyPr rtlCol="0" anchor="ctr"/>
+          <a:lstStyle/>
+          <a:p>
+            <a:pPr algn="ctr"/>
+            <a:r>
+              <a:rPr lang="en-US" altLang="zh-TW" sz="1200" dirty="0" smtClean="0"/>
+              <a:t>Meal</a:t>
+            </a:r>
+            <a:endParaRPr lang="zh-TW" altLang="en-US" sz="1200" dirty="0"/>
+          </a:p>
+        </p:txBody>
+      </p:sp>
+      <p:sp>
+        <p:nvSpPr>
+          <p:cNvPr id="97" name="向右箭號 96"/>
+          <p:cNvSpPr/>
+          <p:nvPr/>
+        </p:nvSpPr>
+        <p:spPr>
+          <a:xfrm>
+            <a:off x="4360762" y="2793104"/>
+            <a:ext cx="576065" cy="313336"/>
+          </a:xfrm>
+          <a:prstGeom prst="rightArrow">
+            <a:avLst/>
+          </a:prstGeom>
+          <a:solidFill>
+            <a:srgbClr val="FFFF00"/>
+          </a:solidFill>
+        </p:spPr>
+        <p:style>
+          <a:lnRef idx="2">
+            <a:schemeClr val="accent1">
+              <a:shade val="50000"/>
+            </a:schemeClr>
+          </a:lnRef>
+          <a:fillRef idx="1">
+            <a:schemeClr val="accent1"/>
+          </a:fillRef>
+          <a:effectRef idx="0">
+            <a:schemeClr val="accent1"/>
+          </a:effectRef>
+          <a:fontRef idx="minor">
+            <a:schemeClr val="lt1"/>
+          </a:fontRef>
+        </p:style>
+        <p:txBody>
+          <a:bodyPr rtlCol="0" anchor="ctr"/>
+          <a:lstStyle/>
+          <a:p>
+            <a:pPr algn="ctr"/>
+            <a:endParaRPr lang="zh-TW" altLang="en-US"/>
+          </a:p>
+        </p:txBody>
+      </p:sp>
+      <p:sp>
+        <p:nvSpPr>
+          <p:cNvPr id="98" name="向右箭號 97"/>
+          <p:cNvSpPr/>
+          <p:nvPr/>
+        </p:nvSpPr>
+        <p:spPr>
+          <a:xfrm>
+            <a:off x="3051222" y="2783579"/>
+            <a:ext cx="576065" cy="313336"/>
+          </a:xfrm>
+          <a:prstGeom prst="rightArrow">
+            <a:avLst/>
+          </a:prstGeom>
+          <a:solidFill>
+            <a:srgbClr val="FFFF00"/>
+          </a:solidFill>
+        </p:spPr>
+        <p:style>
+          <a:lnRef idx="2">
+            <a:schemeClr val="accent1">
+              <a:shade val="50000"/>
+            </a:schemeClr>
+          </a:lnRef>
+          <a:fillRef idx="1">
+            <a:schemeClr val="accent1"/>
+          </a:fillRef>
+          <a:effectRef idx="0">
+            <a:schemeClr val="accent1"/>
+          </a:effectRef>
+          <a:fontRef idx="minor">
+            <a:schemeClr val="lt1"/>
+          </a:fontRef>
+        </p:style>
+        <p:txBody>
+          <a:bodyPr rtlCol="0" anchor="ctr"/>
+          <a:lstStyle/>
+          <a:p>
+            <a:pPr algn="ctr"/>
+            <a:endParaRPr lang="zh-TW" altLang="en-US"/>
+          </a:p>
+        </p:txBody>
+      </p:sp>
     </p:spTree>
     <p:extLst>
       <p:ext uri="{BB962C8B-B14F-4D97-AF65-F5344CB8AC3E}">
@@ -6899,21 +8156,30 @@
                             </p:childTnLst>
                           </p:cTn>
                         </p:par>
+                      </p:childTnLst>
+                    </p:cTn>
+                  </p:par>
+                  <p:par>
+                    <p:cTn id="16" fill="hold">
+                      <p:stCondLst>
+                        <p:cond delay="indefinite"/>
+                      </p:stCondLst>
+                      <p:childTnLst>
                         <p:par>
-                          <p:cTn id="16" fill="hold">
+                          <p:cTn id="17" fill="hold">
                             <p:stCondLst>
-                              <p:cond delay="2500"/>
+                              <p:cond delay="0"/>
                             </p:stCondLst>
                             <p:childTnLst>
                               <p:par>
-                                <p:cTn id="17" presetID="42" presetClass="path" presetSubtype="0" accel="50000" decel="50000" fill="hold" grpId="1" nodeType="afterEffect">
+                                <p:cTn id="18" presetID="42" presetClass="path" presetSubtype="0" accel="50000" decel="50000" fill="hold" grpId="1" nodeType="clickEffect">
                                   <p:stCondLst>
                                     <p:cond delay="0"/>
                                   </p:stCondLst>
                                   <p:childTnLst>
                                     <p:animMotion origin="layout" path="M 1.11111E-6 0.13936 L -0.06771 0.32269 " pathEditMode="relative" rAng="0" ptsTypes="AA">
                                       <p:cBhvr>
-                                        <p:cTn id="18" dur="500" fill="hold"/>
+                                        <p:cTn id="19" dur="500" fill="hold"/>
                                         <p:tgtEl>
                                           <p:spTgt spid="72"/>
                                         </p:tgtEl>
@@ -6927,127 +8193,154 @@
                                   </p:childTnLst>
                                 </p:cTn>
                               </p:par>
-                            </p:childTnLst>
-                          </p:cTn>
-                        </p:par>
-                        <p:par>
-                          <p:cTn id="19" fill="hold">
-                            <p:stCondLst>
-                              <p:cond delay="3000"/>
-                            </p:stCondLst>
-                            <p:childTnLst>
                               <p:par>
-                                <p:cTn id="20" presetID="42" presetClass="path" presetSubtype="0" accel="50000" decel="50000" fill="hold" grpId="2" nodeType="afterEffect">
+                                <p:cTn id="20" presetID="10" presetClass="exit" presetSubtype="0" fill="hold" grpId="1" nodeType="withEffect">
                                   <p:stCondLst>
                                     <p:cond delay="0"/>
                                   </p:stCondLst>
                                   <p:childTnLst>
-                                    <p:animMotion origin="layout" path="M -0.06771 0.32269 L -0.06771 0.41736 " pathEditMode="relative" rAng="0" ptsTypes="AA">
-                                      <p:cBhvr>
-                                        <p:cTn id="21" dur="500" fill="hold"/>
-                                        <p:tgtEl>
-                                          <p:spTgt spid="72"/>
+                                    <p:animEffect transition="out" filter="fade">
+                                      <p:cBhvr>
+                                        <p:cTn id="21" dur="500"/>
+                                        <p:tgtEl>
+                                          <p:spTgt spid="77"/>
+                                        </p:tgtEl>
+                                      </p:cBhvr>
+                                    </p:animEffect>
+                                    <p:set>
+                                      <p:cBhvr>
+                                        <p:cTn id="22" dur="1" fill="hold">
+                                          <p:stCondLst>
+                                            <p:cond delay="499"/>
+                                          </p:stCondLst>
+                                        </p:cTn>
+                                        <p:tgtEl>
+                                          <p:spTgt spid="77"/>
                                         </p:tgtEl>
                                         <p:attrNameLst>
-                                          <p:attrName>ppt_x</p:attrName>
-                                          <p:attrName>ppt_y</p:attrName>
+                                          <p:attrName>style.visibility</p:attrName>
                                         </p:attrNameLst>
                                       </p:cBhvr>
-                                      <p:rCtr x="0" y="4722"/>
-                                    </p:animMotion>
+                                      <p:to>
+                                        <p:strVal val="hidden"/>
+                                      </p:to>
+                                    </p:set>
                                   </p:childTnLst>
                                 </p:cTn>
                               </p:par>
-                            </p:childTnLst>
-                          </p:cTn>
-                        </p:par>
-                        <p:par>
-                          <p:cTn id="22" fill="hold">
-                            <p:stCondLst>
-                              <p:cond delay="3500"/>
-                            </p:stCondLst>
-                            <p:childTnLst>
                               <p:par>
-                                <p:cTn id="23" presetID="42" presetClass="path" presetSubtype="0" accel="50000" decel="50000" fill="hold" grpId="3" nodeType="afterEffect">
+                                <p:cTn id="23" presetID="10" presetClass="exit" presetSubtype="0" fill="hold" grpId="1" nodeType="withEffect">
                                   <p:stCondLst>
                                     <p:cond delay="0"/>
                                   </p:stCondLst>
                                   <p:childTnLst>
-                                    <p:animMotion origin="layout" path="M -0.06771 0.41736 L -0.19358 0.53287 " pathEditMode="relative" rAng="0" ptsTypes="AA">
-                                      <p:cBhvr>
-                                        <p:cTn id="24" dur="500" fill="hold"/>
-                                        <p:tgtEl>
-                                          <p:spTgt spid="72"/>
+                                    <p:animEffect transition="out" filter="fade">
+                                      <p:cBhvr>
+                                        <p:cTn id="24" dur="500"/>
+                                        <p:tgtEl>
+                                          <p:spTgt spid="75"/>
+                                        </p:tgtEl>
+                                      </p:cBhvr>
+                                    </p:animEffect>
+                                    <p:set>
+                                      <p:cBhvr>
+                                        <p:cTn id="25" dur="1" fill="hold">
+                                          <p:stCondLst>
+                                            <p:cond delay="499"/>
+                                          </p:stCondLst>
+                                        </p:cTn>
+                                        <p:tgtEl>
+                                          <p:spTgt spid="75"/>
                                         </p:tgtEl>
                                         <p:attrNameLst>
-                                          <p:attrName>ppt_x</p:attrName>
-                                          <p:attrName>ppt_y</p:attrName>
+                                          <p:attrName>style.visibility</p:attrName>
                                         </p:attrNameLst>
                                       </p:cBhvr>
-                                      <p:rCtr x="-6302" y="5764"/>
-                                    </p:animMotion>
+                                      <p:to>
+                                        <p:strVal val="hidden"/>
+                                      </p:to>
+                                    </p:set>
                                   </p:childTnLst>
                                 </p:cTn>
                               </p:par>
-                            </p:childTnLst>
-                          </p:cTn>
-                        </p:par>
-                        <p:par>
-                          <p:cTn id="25" fill="hold">
-                            <p:stCondLst>
-                              <p:cond delay="4000"/>
-                            </p:stCondLst>
-                            <p:childTnLst>
                               <p:par>
-                                <p:cTn id="26" presetID="42" presetClass="path" presetSubtype="0" accel="50000" decel="50000" fill="hold" grpId="4" nodeType="afterEffect">
+                                <p:cTn id="26" presetID="53" presetClass="entr" presetSubtype="16" fill="hold" grpId="0" nodeType="withEffect">
                                   <p:stCondLst>
                                     <p:cond delay="0"/>
                                   </p:stCondLst>
                                   <p:childTnLst>
-                                    <p:animMotion origin="layout" path="M -0.19358 0.53287 L -0.05972 0.64838 " pathEditMode="relative" rAng="0" ptsTypes="AA">
-                                      <p:cBhvr>
-                                        <p:cTn id="27" dur="500" fill="hold"/>
-                                        <p:tgtEl>
-                                          <p:spTgt spid="72"/>
+                                    <p:set>
+                                      <p:cBhvr>
+                                        <p:cTn id="27" dur="1" fill="hold">
+                                          <p:stCondLst>
+                                            <p:cond delay="0"/>
+                                          </p:stCondLst>
+                                        </p:cTn>
+                                        <p:tgtEl>
+                                          <p:spTgt spid="9"/>
                                         </p:tgtEl>
                                         <p:attrNameLst>
-                                          <p:attrName>ppt_x</p:attrName>
-                                          <p:attrName>ppt_y</p:attrName>
+                                          <p:attrName>style.visibility</p:attrName>
                                         </p:attrNameLst>
                                       </p:cBhvr>
-                                      <p:rCtr x="6684" y="5764"/>
-                                    </p:animMotion>
-                                  </p:childTnLst>
-                                </p:cTn>
-                              </p:par>
-                            </p:childTnLst>
-                          </p:cTn>
-                        </p:par>
-                        <p:par>
-                          <p:cTn id="28" fill="hold">
-                            <p:stCondLst>
-                              <p:cond delay="4500"/>
-                            </p:stCondLst>
-                            <p:childTnLst>
-                              <p:par>
-                                <p:cTn id="29" presetID="42" presetClass="path" presetSubtype="0" accel="50000" decel="50000" fill="hold" grpId="5" nodeType="afterEffect">
-                                  <p:stCondLst>
-                                    <p:cond delay="0"/>
-                                  </p:stCondLst>
-                                  <p:childTnLst>
-                                    <p:animMotion origin="layout" path="M -0.05972 0.64838 L -0.05972 0.75324 " pathEditMode="relative" rAng="0" ptsTypes="AA">
-                                      <p:cBhvr>
-                                        <p:cTn id="30" dur="500" fill="hold"/>
-                                        <p:tgtEl>
-                                          <p:spTgt spid="72"/>
+                                      <p:to>
+                                        <p:strVal val="visible"/>
+                                      </p:to>
+                                    </p:set>
+                                    <p:anim calcmode="lin" valueType="num">
+                                      <p:cBhvr>
+                                        <p:cTn id="28" dur="500" fill="hold"/>
+                                        <p:tgtEl>
+                                          <p:spTgt spid="9"/>
                                         </p:tgtEl>
                                         <p:attrNameLst>
-                                          <p:attrName>ppt_x</p:attrName>
-                                          <p:attrName>ppt_y</p:attrName>
+                                          <p:attrName>ppt_w</p:attrName>
                                         </p:attrNameLst>
                                       </p:cBhvr>
-                                      <p:rCtr x="0" y="5231"/>
-                                    </p:animMotion>
+                                      <p:tavLst>
+                                        <p:tav tm="0">
+                                          <p:val>
+                                            <p:fltVal val="0"/>
+                                          </p:val>
+                                        </p:tav>
+                                        <p:tav tm="100000">
+                                          <p:val>
+                                            <p:strVal val="#ppt_w"/>
+                                          </p:val>
+                                        </p:tav>
+                                      </p:tavLst>
+                                    </p:anim>
+                                    <p:anim calcmode="lin" valueType="num">
+                                      <p:cBhvr>
+                                        <p:cTn id="29" dur="500" fill="hold"/>
+                                        <p:tgtEl>
+                                          <p:spTgt spid="9"/>
+                                        </p:tgtEl>
+                                        <p:attrNameLst>
+                                          <p:attrName>ppt_h</p:attrName>
+                                        </p:attrNameLst>
+                                      </p:cBhvr>
+                                      <p:tavLst>
+                                        <p:tav tm="0">
+                                          <p:val>
+                                            <p:fltVal val="0"/>
+                                          </p:val>
+                                        </p:tav>
+                                        <p:tav tm="100000">
+                                          <p:val>
+                                            <p:strVal val="#ppt_h"/>
+                                          </p:val>
+                                        </p:tav>
+                                      </p:tavLst>
+                                    </p:anim>
+                                    <p:animEffect transition="in" filter="fade">
+                                      <p:cBhvr>
+                                        <p:cTn id="30" dur="500"/>
+                                        <p:tgtEl>
+                                          <p:spTgt spid="9"/>
+                                        </p:tgtEl>
+                                      </p:cBhvr>
+                                    </p:animEffect>
                                   </p:childTnLst>
                                 </p:cTn>
                               </p:par>
@@ -7057,18 +8350,870 @@
                         <p:par>
                           <p:cTn id="31" fill="hold">
                             <p:stCondLst>
-                              <p:cond delay="5000"/>
+                              <p:cond delay="500"/>
                             </p:stCondLst>
                             <p:childTnLst>
                               <p:par>
-                                <p:cTn id="32" presetID="42" presetClass="path" presetSubtype="0" accel="50000" decel="50000" fill="hold" grpId="6" nodeType="afterEffect">
+                                <p:cTn id="32" presetID="14" presetClass="entr" presetSubtype="10" fill="hold" grpId="0" nodeType="afterEffect">
+                                  <p:stCondLst>
+                                    <p:cond delay="0"/>
+                                  </p:stCondLst>
+                                  <p:childTnLst>
+                                    <p:set>
+                                      <p:cBhvr>
+                                        <p:cTn id="33" dur="1" fill="hold">
+                                          <p:stCondLst>
+                                            <p:cond delay="0"/>
+                                          </p:stCondLst>
+                                        </p:cTn>
+                                        <p:tgtEl>
+                                          <p:spTgt spid="94"/>
+                                        </p:tgtEl>
+                                        <p:attrNameLst>
+                                          <p:attrName>style.visibility</p:attrName>
+                                        </p:attrNameLst>
+                                      </p:cBhvr>
+                                      <p:to>
+                                        <p:strVal val="visible"/>
+                                      </p:to>
+                                    </p:set>
+                                    <p:animEffect transition="in" filter="randombar(horizontal)">
+                                      <p:cBhvr>
+                                        <p:cTn id="34" dur="500"/>
+                                        <p:tgtEl>
+                                          <p:spTgt spid="94"/>
+                                        </p:tgtEl>
+                                      </p:cBhvr>
+                                    </p:animEffect>
+                                  </p:childTnLst>
+                                </p:cTn>
+                              </p:par>
+                            </p:childTnLst>
+                          </p:cTn>
+                        </p:par>
+                        <p:par>
+                          <p:cTn id="35" fill="hold">
+                            <p:stCondLst>
+                              <p:cond delay="1000"/>
+                            </p:stCondLst>
+                            <p:childTnLst>
+                              <p:par>
+                                <p:cTn id="36" presetID="10" presetClass="entr" presetSubtype="0" fill="hold" grpId="0" nodeType="afterEffect">
+                                  <p:stCondLst>
+                                    <p:cond delay="0"/>
+                                  </p:stCondLst>
+                                  <p:childTnLst>
+                                    <p:set>
+                                      <p:cBhvr>
+                                        <p:cTn id="37" dur="1" fill="hold">
+                                          <p:stCondLst>
+                                            <p:cond delay="0"/>
+                                          </p:stCondLst>
+                                        </p:cTn>
+                                        <p:tgtEl>
+                                          <p:spTgt spid="92"/>
+                                        </p:tgtEl>
+                                        <p:attrNameLst>
+                                          <p:attrName>style.visibility</p:attrName>
+                                        </p:attrNameLst>
+                                      </p:cBhvr>
+                                      <p:to>
+                                        <p:strVal val="visible"/>
+                                      </p:to>
+                                    </p:set>
+                                    <p:animEffect transition="in" filter="fade">
+                                      <p:cBhvr>
+                                        <p:cTn id="38" dur="500"/>
+                                        <p:tgtEl>
+                                          <p:spTgt spid="92"/>
+                                        </p:tgtEl>
+                                      </p:cBhvr>
+                                    </p:animEffect>
+                                  </p:childTnLst>
+                                </p:cTn>
+                              </p:par>
+                              <p:par>
+                                <p:cTn id="39" presetID="14" presetClass="entr" presetSubtype="10" fill="hold" grpId="0" nodeType="withEffect">
+                                  <p:stCondLst>
+                                    <p:cond delay="0"/>
+                                  </p:stCondLst>
+                                  <p:childTnLst>
+                                    <p:set>
+                                      <p:cBhvr>
+                                        <p:cTn id="40" dur="1" fill="hold">
+                                          <p:stCondLst>
+                                            <p:cond delay="0"/>
+                                          </p:stCondLst>
+                                        </p:cTn>
+                                        <p:tgtEl>
+                                          <p:spTgt spid="93"/>
+                                        </p:tgtEl>
+                                        <p:attrNameLst>
+                                          <p:attrName>style.visibility</p:attrName>
+                                        </p:attrNameLst>
+                                      </p:cBhvr>
+                                      <p:to>
+                                        <p:strVal val="visible"/>
+                                      </p:to>
+                                    </p:set>
+                                    <p:animEffect transition="in" filter="randombar(horizontal)">
+                                      <p:cBhvr>
+                                        <p:cTn id="41" dur="500"/>
+                                        <p:tgtEl>
+                                          <p:spTgt spid="93"/>
+                                        </p:tgtEl>
+                                      </p:cBhvr>
+                                    </p:animEffect>
+                                  </p:childTnLst>
+                                </p:cTn>
+                              </p:par>
+                            </p:childTnLst>
+                          </p:cTn>
+                        </p:par>
+                      </p:childTnLst>
+                    </p:cTn>
+                  </p:par>
+                  <p:par>
+                    <p:cTn id="42" fill="hold">
+                      <p:stCondLst>
+                        <p:cond delay="indefinite"/>
+                      </p:stCondLst>
+                      <p:childTnLst>
+                        <p:par>
+                          <p:cTn id="43" fill="hold">
+                            <p:stCondLst>
+                              <p:cond delay="0"/>
+                            </p:stCondLst>
+                            <p:childTnLst>
+                              <p:par>
+                                <p:cTn id="44" presetID="42" presetClass="path" presetSubtype="0" accel="50000" decel="50000" fill="hold" grpId="2" nodeType="clickEffect">
+                                  <p:stCondLst>
+                                    <p:cond delay="0"/>
+                                  </p:stCondLst>
+                                  <p:childTnLst>
+                                    <p:animMotion origin="layout" path="M -0.06771 0.32269 L -0.06771 0.41736 " pathEditMode="relative" rAng="0" ptsTypes="AA">
+                                      <p:cBhvr>
+                                        <p:cTn id="45" dur="500" fill="hold"/>
+                                        <p:tgtEl>
+                                          <p:spTgt spid="72"/>
+                                        </p:tgtEl>
+                                        <p:attrNameLst>
+                                          <p:attrName>ppt_x</p:attrName>
+                                          <p:attrName>ppt_y</p:attrName>
+                                        </p:attrNameLst>
+                                      </p:cBhvr>
+                                      <p:rCtr x="0" y="4722"/>
+                                    </p:animMotion>
+                                  </p:childTnLst>
+                                </p:cTn>
+                              </p:par>
+                              <p:par>
+                                <p:cTn id="46" presetID="16" presetClass="exit" presetSubtype="21" fill="hold" grpId="1" nodeType="withEffect">
+                                  <p:stCondLst>
+                                    <p:cond delay="0"/>
+                                  </p:stCondLst>
+                                  <p:childTnLst>
+                                    <p:animEffect transition="out" filter="barn(inVertical)">
+                                      <p:cBhvr>
+                                        <p:cTn id="47" dur="500"/>
+                                        <p:tgtEl>
+                                          <p:spTgt spid="9"/>
+                                        </p:tgtEl>
+                                      </p:cBhvr>
+                                    </p:animEffect>
+                                    <p:set>
+                                      <p:cBhvr>
+                                        <p:cTn id="48" dur="1" fill="hold">
+                                          <p:stCondLst>
+                                            <p:cond delay="499"/>
+                                          </p:stCondLst>
+                                        </p:cTn>
+                                        <p:tgtEl>
+                                          <p:spTgt spid="9"/>
+                                        </p:tgtEl>
+                                        <p:attrNameLst>
+                                          <p:attrName>style.visibility</p:attrName>
+                                        </p:attrNameLst>
+                                      </p:cBhvr>
+                                      <p:to>
+                                        <p:strVal val="hidden"/>
+                                      </p:to>
+                                    </p:set>
+                                  </p:childTnLst>
+                                </p:cTn>
+                              </p:par>
+                              <p:par>
+                                <p:cTn id="49" presetID="10" presetClass="exit" presetSubtype="0" fill="hold" grpId="1" nodeType="withEffect">
+                                  <p:stCondLst>
+                                    <p:cond delay="0"/>
+                                  </p:stCondLst>
+                                  <p:childTnLst>
+                                    <p:animEffect transition="out" filter="fade">
+                                      <p:cBhvr>
+                                        <p:cTn id="50" dur="500"/>
+                                        <p:tgtEl>
+                                          <p:spTgt spid="94"/>
+                                        </p:tgtEl>
+                                      </p:cBhvr>
+                                    </p:animEffect>
+                                    <p:set>
+                                      <p:cBhvr>
+                                        <p:cTn id="51" dur="1" fill="hold">
+                                          <p:stCondLst>
+                                            <p:cond delay="499"/>
+                                          </p:stCondLst>
+                                        </p:cTn>
+                                        <p:tgtEl>
+                                          <p:spTgt spid="94"/>
+                                        </p:tgtEl>
+                                        <p:attrNameLst>
+                                          <p:attrName>style.visibility</p:attrName>
+                                        </p:attrNameLst>
+                                      </p:cBhvr>
+                                      <p:to>
+                                        <p:strVal val="hidden"/>
+                                      </p:to>
+                                    </p:set>
+                                  </p:childTnLst>
+                                </p:cTn>
+                              </p:par>
+                              <p:par>
+                                <p:cTn id="52" presetID="10" presetClass="exit" presetSubtype="0" fill="hold" grpId="1" nodeType="withEffect">
+                                  <p:stCondLst>
+                                    <p:cond delay="0"/>
+                                  </p:stCondLst>
+                                  <p:childTnLst>
+                                    <p:animEffect transition="out" filter="fade">
+                                      <p:cBhvr>
+                                        <p:cTn id="53" dur="500"/>
+                                        <p:tgtEl>
+                                          <p:spTgt spid="92"/>
+                                        </p:tgtEl>
+                                      </p:cBhvr>
+                                    </p:animEffect>
+                                    <p:set>
+                                      <p:cBhvr>
+                                        <p:cTn id="54" dur="1" fill="hold">
+                                          <p:stCondLst>
+                                            <p:cond delay="499"/>
+                                          </p:stCondLst>
+                                        </p:cTn>
+                                        <p:tgtEl>
+                                          <p:spTgt spid="92"/>
+                                        </p:tgtEl>
+                                        <p:attrNameLst>
+                                          <p:attrName>style.visibility</p:attrName>
+                                        </p:attrNameLst>
+                                      </p:cBhvr>
+                                      <p:to>
+                                        <p:strVal val="hidden"/>
+                                      </p:to>
+                                    </p:set>
+                                  </p:childTnLst>
+                                </p:cTn>
+                              </p:par>
+                              <p:par>
+                                <p:cTn id="55" presetID="10" presetClass="exit" presetSubtype="0" fill="hold" grpId="1" nodeType="withEffect">
+                                  <p:stCondLst>
+                                    <p:cond delay="0"/>
+                                  </p:stCondLst>
+                                  <p:childTnLst>
+                                    <p:animEffect transition="out" filter="fade">
+                                      <p:cBhvr>
+                                        <p:cTn id="56" dur="500"/>
+                                        <p:tgtEl>
+                                          <p:spTgt spid="93"/>
+                                        </p:tgtEl>
+                                      </p:cBhvr>
+                                    </p:animEffect>
+                                    <p:set>
+                                      <p:cBhvr>
+                                        <p:cTn id="57" dur="1" fill="hold">
+                                          <p:stCondLst>
+                                            <p:cond delay="499"/>
+                                          </p:stCondLst>
+                                        </p:cTn>
+                                        <p:tgtEl>
+                                          <p:spTgt spid="93"/>
+                                        </p:tgtEl>
+                                        <p:attrNameLst>
+                                          <p:attrName>style.visibility</p:attrName>
+                                        </p:attrNameLst>
+                                      </p:cBhvr>
+                                      <p:to>
+                                        <p:strVal val="hidden"/>
+                                      </p:to>
+                                    </p:set>
+                                  </p:childTnLst>
+                                </p:cTn>
+                              </p:par>
+                            </p:childTnLst>
+                          </p:cTn>
+                        </p:par>
+                      </p:childTnLst>
+                    </p:cTn>
+                  </p:par>
+                  <p:par>
+                    <p:cTn id="58" fill="hold">
+                      <p:stCondLst>
+                        <p:cond delay="indefinite"/>
+                      </p:stCondLst>
+                      <p:childTnLst>
+                        <p:par>
+                          <p:cTn id="59" fill="hold">
+                            <p:stCondLst>
+                              <p:cond delay="0"/>
+                            </p:stCondLst>
+                            <p:childTnLst>
+                              <p:par>
+                                <p:cTn id="60" presetID="42" presetClass="path" presetSubtype="0" accel="50000" decel="50000" fill="hold" grpId="3" nodeType="clickEffect">
+                                  <p:stCondLst>
+                                    <p:cond delay="0"/>
+                                  </p:stCondLst>
+                                  <p:childTnLst>
+                                    <p:animMotion origin="layout" path="M -0.06771 0.41736 L -0.19358 0.53287 " pathEditMode="relative" rAng="0" ptsTypes="AA">
+                                      <p:cBhvr>
+                                        <p:cTn id="61" dur="500" fill="hold"/>
+                                        <p:tgtEl>
+                                          <p:spTgt spid="72"/>
+                                        </p:tgtEl>
+                                        <p:attrNameLst>
+                                          <p:attrName>ppt_x</p:attrName>
+                                          <p:attrName>ppt_y</p:attrName>
+                                        </p:attrNameLst>
+                                      </p:cBhvr>
+                                      <p:rCtr x="-6302" y="5764"/>
+                                    </p:animMotion>
+                                  </p:childTnLst>
+                                </p:cTn>
+                              </p:par>
+                              <p:par>
+                                <p:cTn id="62" presetID="10" presetClass="entr" presetSubtype="0" fill="hold" grpId="0" nodeType="withEffect">
+                                  <p:stCondLst>
+                                    <p:cond delay="0"/>
+                                  </p:stCondLst>
+                                  <p:childTnLst>
+                                    <p:set>
+                                      <p:cBhvr>
+                                        <p:cTn id="63" dur="1" fill="hold">
+                                          <p:stCondLst>
+                                            <p:cond delay="0"/>
+                                          </p:stCondLst>
+                                        </p:cTn>
+                                        <p:tgtEl>
+                                          <p:spTgt spid="73"/>
+                                        </p:tgtEl>
+                                        <p:attrNameLst>
+                                          <p:attrName>style.visibility</p:attrName>
+                                        </p:attrNameLst>
+                                      </p:cBhvr>
+                                      <p:to>
+                                        <p:strVal val="visible"/>
+                                      </p:to>
+                                    </p:set>
+                                    <p:animEffect transition="in" filter="fade">
+                                      <p:cBhvr>
+                                        <p:cTn id="64" dur="500"/>
+                                        <p:tgtEl>
+                                          <p:spTgt spid="73"/>
+                                        </p:tgtEl>
+                                      </p:cBhvr>
+                                    </p:animEffect>
+                                  </p:childTnLst>
+                                </p:cTn>
+                              </p:par>
+                              <p:par>
+                                <p:cTn id="65" presetID="14" presetClass="entr" presetSubtype="10" fill="hold" grpId="0" nodeType="withEffect">
+                                  <p:stCondLst>
+                                    <p:cond delay="0"/>
+                                  </p:stCondLst>
+                                  <p:childTnLst>
+                                    <p:set>
+                                      <p:cBhvr>
+                                        <p:cTn id="66" dur="1" fill="hold">
+                                          <p:stCondLst>
+                                            <p:cond delay="0"/>
+                                          </p:stCondLst>
+                                        </p:cTn>
+                                        <p:tgtEl>
+                                          <p:spTgt spid="8"/>
+                                        </p:tgtEl>
+                                        <p:attrNameLst>
+                                          <p:attrName>style.visibility</p:attrName>
+                                        </p:attrNameLst>
+                                      </p:cBhvr>
+                                      <p:to>
+                                        <p:strVal val="visible"/>
+                                      </p:to>
+                                    </p:set>
+                                    <p:animEffect transition="in" filter="randombar(horizontal)">
+                                      <p:cBhvr>
+                                        <p:cTn id="67" dur="500"/>
+                                        <p:tgtEl>
+                                          <p:spTgt spid="8"/>
+                                        </p:tgtEl>
+                                      </p:cBhvr>
+                                    </p:animEffect>
+                                  </p:childTnLst>
+                                </p:cTn>
+                              </p:par>
+                            </p:childTnLst>
+                          </p:cTn>
+                        </p:par>
+                      </p:childTnLst>
+                    </p:cTn>
+                  </p:par>
+                  <p:par>
+                    <p:cTn id="68" fill="hold">
+                      <p:stCondLst>
+                        <p:cond delay="indefinite"/>
+                      </p:stCondLst>
+                      <p:childTnLst>
+                        <p:par>
+                          <p:cTn id="69" fill="hold">
+                            <p:stCondLst>
+                              <p:cond delay="0"/>
+                            </p:stCondLst>
+                            <p:childTnLst>
+                              <p:par>
+                                <p:cTn id="70" presetID="42" presetClass="path" presetSubtype="0" accel="50000" decel="50000" fill="hold" grpId="4" nodeType="clickEffect">
+                                  <p:stCondLst>
+                                    <p:cond delay="0"/>
+                                  </p:stCondLst>
+                                  <p:childTnLst>
+                                    <p:animMotion origin="layout" path="M -0.19358 0.53287 L -0.05972 0.64838 " pathEditMode="relative" rAng="0" ptsTypes="AA">
+                                      <p:cBhvr>
+                                        <p:cTn id="71" dur="500" fill="hold"/>
+                                        <p:tgtEl>
+                                          <p:spTgt spid="72"/>
+                                        </p:tgtEl>
+                                        <p:attrNameLst>
+                                          <p:attrName>ppt_x</p:attrName>
+                                          <p:attrName>ppt_y</p:attrName>
+                                        </p:attrNameLst>
+                                      </p:cBhvr>
+                                      <p:rCtr x="6684" y="5764"/>
+                                    </p:animMotion>
+                                  </p:childTnLst>
+                                </p:cTn>
+                              </p:par>
+                              <p:par>
+                                <p:cTn id="72" presetID="10" presetClass="exit" presetSubtype="0" fill="hold" grpId="1" nodeType="withEffect">
+                                  <p:stCondLst>
+                                    <p:cond delay="0"/>
+                                  </p:stCondLst>
+                                  <p:childTnLst>
+                                    <p:animEffect transition="out" filter="fade">
+                                      <p:cBhvr>
+                                        <p:cTn id="73" dur="500"/>
+                                        <p:tgtEl>
+                                          <p:spTgt spid="73"/>
+                                        </p:tgtEl>
+                                      </p:cBhvr>
+                                    </p:animEffect>
+                                    <p:set>
+                                      <p:cBhvr>
+                                        <p:cTn id="74" dur="1" fill="hold">
+                                          <p:stCondLst>
+                                            <p:cond delay="499"/>
+                                          </p:stCondLst>
+                                        </p:cTn>
+                                        <p:tgtEl>
+                                          <p:spTgt spid="73"/>
+                                        </p:tgtEl>
+                                        <p:attrNameLst>
+                                          <p:attrName>style.visibility</p:attrName>
+                                        </p:attrNameLst>
+                                      </p:cBhvr>
+                                      <p:to>
+                                        <p:strVal val="hidden"/>
+                                      </p:to>
+                                    </p:set>
+                                  </p:childTnLst>
+                                </p:cTn>
+                              </p:par>
+                              <p:par>
+                                <p:cTn id="75" presetID="10" presetClass="exit" presetSubtype="0" fill="hold" grpId="1" nodeType="withEffect">
+                                  <p:stCondLst>
+                                    <p:cond delay="0"/>
+                                  </p:stCondLst>
+                                  <p:childTnLst>
+                                    <p:animEffect transition="out" filter="fade">
+                                      <p:cBhvr>
+                                        <p:cTn id="76" dur="500"/>
+                                        <p:tgtEl>
+                                          <p:spTgt spid="8"/>
+                                        </p:tgtEl>
+                                      </p:cBhvr>
+                                    </p:animEffect>
+                                    <p:set>
+                                      <p:cBhvr>
+                                        <p:cTn id="77" dur="1" fill="hold">
+                                          <p:stCondLst>
+                                            <p:cond delay="499"/>
+                                          </p:stCondLst>
+                                        </p:cTn>
+                                        <p:tgtEl>
+                                          <p:spTgt spid="8"/>
+                                        </p:tgtEl>
+                                        <p:attrNameLst>
+                                          <p:attrName>style.visibility</p:attrName>
+                                        </p:attrNameLst>
+                                      </p:cBhvr>
+                                      <p:to>
+                                        <p:strVal val="hidden"/>
+                                      </p:to>
+                                    </p:set>
+                                  </p:childTnLst>
+                                </p:cTn>
+                              </p:par>
+                              <p:par>
+                                <p:cTn id="78" presetID="10" presetClass="entr" presetSubtype="0" fill="hold" grpId="0" nodeType="withEffect">
+                                  <p:stCondLst>
+                                    <p:cond delay="0"/>
+                                  </p:stCondLst>
+                                  <p:childTnLst>
+                                    <p:set>
+                                      <p:cBhvr>
+                                        <p:cTn id="79" dur="1" fill="hold">
+                                          <p:stCondLst>
+                                            <p:cond delay="0"/>
+                                          </p:stCondLst>
+                                        </p:cTn>
+                                        <p:tgtEl>
+                                          <p:spTgt spid="76"/>
+                                        </p:tgtEl>
+                                        <p:attrNameLst>
+                                          <p:attrName>style.visibility</p:attrName>
+                                        </p:attrNameLst>
+                                      </p:cBhvr>
+                                      <p:to>
+                                        <p:strVal val="visible"/>
+                                      </p:to>
+                                    </p:set>
+                                    <p:animEffect transition="in" filter="fade">
+                                      <p:cBhvr>
+                                        <p:cTn id="80" dur="500"/>
+                                        <p:tgtEl>
+                                          <p:spTgt spid="76"/>
+                                        </p:tgtEl>
+                                      </p:cBhvr>
+                                    </p:animEffect>
+                                  </p:childTnLst>
+                                </p:cTn>
+                              </p:par>
+                              <p:par>
+                                <p:cTn id="81" presetID="14" presetClass="entr" presetSubtype="10" fill="hold" grpId="0" nodeType="withEffect">
+                                  <p:stCondLst>
+                                    <p:cond delay="0"/>
+                                  </p:stCondLst>
+                                  <p:childTnLst>
+                                    <p:set>
+                                      <p:cBhvr>
+                                        <p:cTn id="82" dur="1" fill="hold">
+                                          <p:stCondLst>
+                                            <p:cond delay="0"/>
+                                          </p:stCondLst>
+                                        </p:cTn>
+                                        <p:tgtEl>
+                                          <p:spTgt spid="78"/>
+                                        </p:tgtEl>
+                                        <p:attrNameLst>
+                                          <p:attrName>style.visibility</p:attrName>
+                                        </p:attrNameLst>
+                                      </p:cBhvr>
+                                      <p:to>
+                                        <p:strVal val="visible"/>
+                                      </p:to>
+                                    </p:set>
+                                    <p:animEffect transition="in" filter="randombar(horizontal)">
+                                      <p:cBhvr>
+                                        <p:cTn id="83" dur="500"/>
+                                        <p:tgtEl>
+                                          <p:spTgt spid="78"/>
+                                        </p:tgtEl>
+                                      </p:cBhvr>
+                                    </p:animEffect>
+                                  </p:childTnLst>
+                                </p:cTn>
+                              </p:par>
+                              <p:par>
+                                <p:cTn id="84" presetID="10" presetClass="entr" presetSubtype="0" fill="hold" grpId="0" nodeType="withEffect">
+                                  <p:stCondLst>
+                                    <p:cond delay="0"/>
+                                  </p:stCondLst>
+                                  <p:childTnLst>
+                                    <p:set>
+                                      <p:cBhvr>
+                                        <p:cTn id="85" dur="1" fill="hold">
+                                          <p:stCondLst>
+                                            <p:cond delay="0"/>
+                                          </p:stCondLst>
+                                        </p:cTn>
+                                        <p:tgtEl>
+                                          <p:spTgt spid="79"/>
+                                        </p:tgtEl>
+                                        <p:attrNameLst>
+                                          <p:attrName>style.visibility</p:attrName>
+                                        </p:attrNameLst>
+                                      </p:cBhvr>
+                                      <p:to>
+                                        <p:strVal val="visible"/>
+                                      </p:to>
+                                    </p:set>
+                                    <p:animEffect transition="in" filter="fade">
+                                      <p:cBhvr>
+                                        <p:cTn id="86" dur="500"/>
+                                        <p:tgtEl>
+                                          <p:spTgt spid="79"/>
+                                        </p:tgtEl>
+                                      </p:cBhvr>
+                                    </p:animEffect>
+                                  </p:childTnLst>
+                                </p:cTn>
+                              </p:par>
+                              <p:par>
+                                <p:cTn id="87" presetID="10" presetClass="entr" presetSubtype="0" fill="hold" grpId="0" nodeType="withEffect">
+                                  <p:stCondLst>
+                                    <p:cond delay="0"/>
+                                  </p:stCondLst>
+                                  <p:childTnLst>
+                                    <p:set>
+                                      <p:cBhvr>
+                                        <p:cTn id="88" dur="1" fill="hold">
+                                          <p:stCondLst>
+                                            <p:cond delay="0"/>
+                                          </p:stCondLst>
+                                        </p:cTn>
+                                        <p:tgtEl>
+                                          <p:spTgt spid="80"/>
+                                        </p:tgtEl>
+                                        <p:attrNameLst>
+                                          <p:attrName>style.visibility</p:attrName>
+                                        </p:attrNameLst>
+                                      </p:cBhvr>
+                                      <p:to>
+                                        <p:strVal val="visible"/>
+                                      </p:to>
+                                    </p:set>
+                                    <p:animEffect transition="in" filter="fade">
+                                      <p:cBhvr>
+                                        <p:cTn id="89" dur="500"/>
+                                        <p:tgtEl>
+                                          <p:spTgt spid="80"/>
+                                        </p:tgtEl>
+                                      </p:cBhvr>
+                                    </p:animEffect>
+                                  </p:childTnLst>
+                                </p:cTn>
+                              </p:par>
+                            </p:childTnLst>
+                          </p:cTn>
+                        </p:par>
+                      </p:childTnLst>
+                    </p:cTn>
+                  </p:par>
+                  <p:par>
+                    <p:cTn id="90" fill="hold">
+                      <p:stCondLst>
+                        <p:cond delay="indefinite"/>
+                      </p:stCondLst>
+                      <p:childTnLst>
+                        <p:par>
+                          <p:cTn id="91" fill="hold">
+                            <p:stCondLst>
+                              <p:cond delay="0"/>
+                            </p:stCondLst>
+                            <p:childTnLst>
+                              <p:par>
+                                <p:cTn id="92" presetID="42" presetClass="path" presetSubtype="0" accel="50000" decel="50000" fill="hold" grpId="5" nodeType="clickEffect">
+                                  <p:stCondLst>
+                                    <p:cond delay="0"/>
+                                  </p:stCondLst>
+                                  <p:childTnLst>
+                                    <p:animMotion origin="layout" path="M -0.05972 0.64838 L -0.05972 0.75324 " pathEditMode="relative" rAng="0" ptsTypes="AA">
+                                      <p:cBhvr>
+                                        <p:cTn id="93" dur="500" fill="hold"/>
+                                        <p:tgtEl>
+                                          <p:spTgt spid="72"/>
+                                        </p:tgtEl>
+                                        <p:attrNameLst>
+                                          <p:attrName>ppt_x</p:attrName>
+                                          <p:attrName>ppt_y</p:attrName>
+                                        </p:attrNameLst>
+                                      </p:cBhvr>
+                                      <p:rCtr x="0" y="5231"/>
+                                    </p:animMotion>
+                                  </p:childTnLst>
+                                </p:cTn>
+                              </p:par>
+                              <p:par>
+                                <p:cTn id="94" presetID="10" presetClass="exit" presetSubtype="0" fill="hold" grpId="1" nodeType="withEffect">
+                                  <p:stCondLst>
+                                    <p:cond delay="0"/>
+                                  </p:stCondLst>
+                                  <p:childTnLst>
+                                    <p:animEffect transition="out" filter="fade">
+                                      <p:cBhvr>
+                                        <p:cTn id="95" dur="500"/>
+                                        <p:tgtEl>
+                                          <p:spTgt spid="76"/>
+                                        </p:tgtEl>
+                                      </p:cBhvr>
+                                    </p:animEffect>
+                                    <p:set>
+                                      <p:cBhvr>
+                                        <p:cTn id="96" dur="1" fill="hold">
+                                          <p:stCondLst>
+                                            <p:cond delay="499"/>
+                                          </p:stCondLst>
+                                        </p:cTn>
+                                        <p:tgtEl>
+                                          <p:spTgt spid="76"/>
+                                        </p:tgtEl>
+                                        <p:attrNameLst>
+                                          <p:attrName>style.visibility</p:attrName>
+                                        </p:attrNameLst>
+                                      </p:cBhvr>
+                                      <p:to>
+                                        <p:strVal val="hidden"/>
+                                      </p:to>
+                                    </p:set>
+                                  </p:childTnLst>
+                                </p:cTn>
+                              </p:par>
+                              <p:par>
+                                <p:cTn id="97" presetID="10" presetClass="exit" presetSubtype="0" fill="hold" grpId="1" nodeType="withEffect">
+                                  <p:stCondLst>
+                                    <p:cond delay="0"/>
+                                  </p:stCondLst>
+                                  <p:childTnLst>
+                                    <p:animEffect transition="out" filter="fade">
+                                      <p:cBhvr>
+                                        <p:cTn id="98" dur="500"/>
+                                        <p:tgtEl>
+                                          <p:spTgt spid="78"/>
+                                        </p:tgtEl>
+                                      </p:cBhvr>
+                                    </p:animEffect>
+                                    <p:set>
+                                      <p:cBhvr>
+                                        <p:cTn id="99" dur="1" fill="hold">
+                                          <p:stCondLst>
+                                            <p:cond delay="499"/>
+                                          </p:stCondLst>
+                                        </p:cTn>
+                                        <p:tgtEl>
+                                          <p:spTgt spid="78"/>
+                                        </p:tgtEl>
+                                        <p:attrNameLst>
+                                          <p:attrName>style.visibility</p:attrName>
+                                        </p:attrNameLst>
+                                      </p:cBhvr>
+                                      <p:to>
+                                        <p:strVal val="hidden"/>
+                                      </p:to>
+                                    </p:set>
+                                  </p:childTnLst>
+                                </p:cTn>
+                              </p:par>
+                              <p:par>
+                                <p:cTn id="100" presetID="10" presetClass="exit" presetSubtype="0" fill="hold" grpId="1" nodeType="withEffect">
+                                  <p:stCondLst>
+                                    <p:cond delay="0"/>
+                                  </p:stCondLst>
+                                  <p:childTnLst>
+                                    <p:animEffect transition="out" filter="fade">
+                                      <p:cBhvr>
+                                        <p:cTn id="101" dur="500"/>
+                                        <p:tgtEl>
+                                          <p:spTgt spid="79"/>
+                                        </p:tgtEl>
+                                      </p:cBhvr>
+                                    </p:animEffect>
+                                    <p:set>
+                                      <p:cBhvr>
+                                        <p:cTn id="102" dur="1" fill="hold">
+                                          <p:stCondLst>
+                                            <p:cond delay="499"/>
+                                          </p:stCondLst>
+                                        </p:cTn>
+                                        <p:tgtEl>
+                                          <p:spTgt spid="79"/>
+                                        </p:tgtEl>
+                                        <p:attrNameLst>
+                                          <p:attrName>style.visibility</p:attrName>
+                                        </p:attrNameLst>
+                                      </p:cBhvr>
+                                      <p:to>
+                                        <p:strVal val="hidden"/>
+                                      </p:to>
+                                    </p:set>
+                                  </p:childTnLst>
+                                </p:cTn>
+                              </p:par>
+                              <p:par>
+                                <p:cTn id="103" presetID="10" presetClass="exit" presetSubtype="0" fill="hold" grpId="1" nodeType="withEffect">
+                                  <p:stCondLst>
+                                    <p:cond delay="0"/>
+                                  </p:stCondLst>
+                                  <p:childTnLst>
+                                    <p:animEffect transition="out" filter="fade">
+                                      <p:cBhvr>
+                                        <p:cTn id="104" dur="500"/>
+                                        <p:tgtEl>
+                                          <p:spTgt spid="80"/>
+                                        </p:tgtEl>
+                                      </p:cBhvr>
+                                    </p:animEffect>
+                                    <p:set>
+                                      <p:cBhvr>
+                                        <p:cTn id="105" dur="1" fill="hold">
+                                          <p:stCondLst>
+                                            <p:cond delay="499"/>
+                                          </p:stCondLst>
+                                        </p:cTn>
+                                        <p:tgtEl>
+                                          <p:spTgt spid="80"/>
+                                        </p:tgtEl>
+                                        <p:attrNameLst>
+                                          <p:attrName>style.visibility</p:attrName>
+                                        </p:attrNameLst>
+                                      </p:cBhvr>
+                                      <p:to>
+                                        <p:strVal val="hidden"/>
+                                      </p:to>
+                                    </p:set>
+                                  </p:childTnLst>
+                                </p:cTn>
+                              </p:par>
+                            </p:childTnLst>
+                          </p:cTn>
+                        </p:par>
+                      </p:childTnLst>
+                    </p:cTn>
+                  </p:par>
+                  <p:par>
+                    <p:cTn id="106" fill="hold">
+                      <p:stCondLst>
+                        <p:cond delay="indefinite"/>
+                      </p:stCondLst>
+                      <p:childTnLst>
+                        <p:par>
+                          <p:cTn id="107" fill="hold">
+                            <p:stCondLst>
+                              <p:cond delay="0"/>
+                            </p:stCondLst>
+                            <p:childTnLst>
+                              <p:par>
+                                <p:cTn id="108" presetID="42" presetClass="path" presetSubtype="0" accel="50000" decel="50000" fill="hold" grpId="7" nodeType="clickEffect">
                                   <p:stCondLst>
                                     <p:cond delay="0"/>
                                   </p:stCondLst>
                                   <p:childTnLst>
                                     <p:animMotion origin="layout" path="M -0.05972 0.75324 L -0.05972 0.84769 " pathEditMode="relative" rAng="0" ptsTypes="AA">
                                       <p:cBhvr>
-                                        <p:cTn id="33" dur="500" fill="hold"/>
+                                        <p:cTn id="109" dur="500" fill="hold"/>
                                         <p:tgtEl>
                                           <p:spTgt spid="72"/>
                                         </p:tgtEl>
@@ -7079,6 +9224,1383 @@
                                       </p:cBhvr>
                                       <p:rCtr x="0" y="4722"/>
                                     </p:animMotion>
+                                  </p:childTnLst>
+                                </p:cTn>
+                              </p:par>
+                              <p:par>
+                                <p:cTn id="110" presetID="10" presetClass="entr" presetSubtype="0" fill="hold" grpId="0" nodeType="withEffect">
+                                  <p:stCondLst>
+                                    <p:cond delay="0"/>
+                                  </p:stCondLst>
+                                  <p:childTnLst>
+                                    <p:set>
+                                      <p:cBhvr>
+                                        <p:cTn id="111" dur="1" fill="hold">
+                                          <p:stCondLst>
+                                            <p:cond delay="0"/>
+                                          </p:stCondLst>
+                                        </p:cTn>
+                                        <p:tgtEl>
+                                          <p:spTgt spid="81"/>
+                                        </p:tgtEl>
+                                        <p:attrNameLst>
+                                          <p:attrName>style.visibility</p:attrName>
+                                        </p:attrNameLst>
+                                      </p:cBhvr>
+                                      <p:to>
+                                        <p:strVal val="visible"/>
+                                      </p:to>
+                                    </p:set>
+                                    <p:animEffect transition="in" filter="fade">
+                                      <p:cBhvr>
+                                        <p:cTn id="112" dur="500"/>
+                                        <p:tgtEl>
+                                          <p:spTgt spid="81"/>
+                                        </p:tgtEl>
+                                      </p:cBhvr>
+                                    </p:animEffect>
+                                  </p:childTnLst>
+                                </p:cTn>
+                              </p:par>
+                              <p:par>
+                                <p:cTn id="113" presetID="14" presetClass="entr" presetSubtype="10" fill="hold" grpId="0" nodeType="withEffect">
+                                  <p:stCondLst>
+                                    <p:cond delay="0"/>
+                                  </p:stCondLst>
+                                  <p:childTnLst>
+                                    <p:set>
+                                      <p:cBhvr>
+                                        <p:cTn id="114" dur="1" fill="hold">
+                                          <p:stCondLst>
+                                            <p:cond delay="0"/>
+                                          </p:stCondLst>
+                                        </p:cTn>
+                                        <p:tgtEl>
+                                          <p:spTgt spid="82"/>
+                                        </p:tgtEl>
+                                        <p:attrNameLst>
+                                          <p:attrName>style.visibility</p:attrName>
+                                        </p:attrNameLst>
+                                      </p:cBhvr>
+                                      <p:to>
+                                        <p:strVal val="visible"/>
+                                      </p:to>
+                                    </p:set>
+                                    <p:animEffect transition="in" filter="randombar(horizontal)">
+                                      <p:cBhvr>
+                                        <p:cTn id="115" dur="500"/>
+                                        <p:tgtEl>
+                                          <p:spTgt spid="82"/>
+                                        </p:tgtEl>
+                                      </p:cBhvr>
+                                    </p:animEffect>
+                                  </p:childTnLst>
+                                </p:cTn>
+                              </p:par>
+                            </p:childTnLst>
+                          </p:cTn>
+                        </p:par>
+                      </p:childTnLst>
+                    </p:cTn>
+                  </p:par>
+                  <p:par>
+                    <p:cTn id="116" fill="hold">
+                      <p:stCondLst>
+                        <p:cond delay="indefinite"/>
+                      </p:stCondLst>
+                      <p:childTnLst>
+                        <p:par>
+                          <p:cTn id="117" fill="hold">
+                            <p:stCondLst>
+                              <p:cond delay="0"/>
+                            </p:stCondLst>
+                            <p:childTnLst>
+                              <p:par>
+                                <p:cTn id="118" presetID="37" presetClass="path" presetSubtype="0" accel="50000" decel="50000" fill="hold" grpId="6" nodeType="clickEffect">
+                                  <p:stCondLst>
+                                    <p:cond delay="0"/>
+                                  </p:stCondLst>
+                                  <p:childTnLst>
+                                    <p:animMotion origin="layout" path="M -0.05973 0.84769 L 0.0401 0.73264 C 0.06267 0.70857 0.07378 0.67223 0.07378 0.63449 C 0.07378 0.59167 0.06267 0.55718 0.0401 0.53311 L -0.05973 0.4176 " pathEditMode="relative" rAng="-5400000" ptsTypes="FffFF">
+                                      <p:cBhvr>
+                                        <p:cTn id="119" dur="1000" fill="hold"/>
+                                        <p:tgtEl>
+                                          <p:spTgt spid="72"/>
+                                        </p:tgtEl>
+                                        <p:attrNameLst>
+                                          <p:attrName>ppt_x</p:attrName>
+                                          <p:attrName>ppt_y</p:attrName>
+                                        </p:attrNameLst>
+                                      </p:cBhvr>
+                                      <p:rCtr x="6684" y="-21505"/>
+                                    </p:animMotion>
+                                  </p:childTnLst>
+                                </p:cTn>
+                              </p:par>
+                              <p:par>
+                                <p:cTn id="120" presetID="10" presetClass="exit" presetSubtype="0" fill="hold" grpId="1" nodeType="withEffect">
+                                  <p:stCondLst>
+                                    <p:cond delay="0"/>
+                                  </p:stCondLst>
+                                  <p:childTnLst>
+                                    <p:animEffect transition="out" filter="fade">
+                                      <p:cBhvr>
+                                        <p:cTn id="121" dur="500"/>
+                                        <p:tgtEl>
+                                          <p:spTgt spid="81"/>
+                                        </p:tgtEl>
+                                      </p:cBhvr>
+                                    </p:animEffect>
+                                    <p:set>
+                                      <p:cBhvr>
+                                        <p:cTn id="122" dur="1" fill="hold">
+                                          <p:stCondLst>
+                                            <p:cond delay="499"/>
+                                          </p:stCondLst>
+                                        </p:cTn>
+                                        <p:tgtEl>
+                                          <p:spTgt spid="81"/>
+                                        </p:tgtEl>
+                                        <p:attrNameLst>
+                                          <p:attrName>style.visibility</p:attrName>
+                                        </p:attrNameLst>
+                                      </p:cBhvr>
+                                      <p:to>
+                                        <p:strVal val="hidden"/>
+                                      </p:to>
+                                    </p:set>
+                                  </p:childTnLst>
+                                </p:cTn>
+                              </p:par>
+                              <p:par>
+                                <p:cTn id="123" presetID="10" presetClass="exit" presetSubtype="0" fill="hold" grpId="1" nodeType="withEffect">
+                                  <p:stCondLst>
+                                    <p:cond delay="0"/>
+                                  </p:stCondLst>
+                                  <p:childTnLst>
+                                    <p:animEffect transition="out" filter="fade">
+                                      <p:cBhvr>
+                                        <p:cTn id="124" dur="500"/>
+                                        <p:tgtEl>
+                                          <p:spTgt spid="82"/>
+                                        </p:tgtEl>
+                                      </p:cBhvr>
+                                    </p:animEffect>
+                                    <p:set>
+                                      <p:cBhvr>
+                                        <p:cTn id="125" dur="1" fill="hold">
+                                          <p:stCondLst>
+                                            <p:cond delay="499"/>
+                                          </p:stCondLst>
+                                        </p:cTn>
+                                        <p:tgtEl>
+                                          <p:spTgt spid="82"/>
+                                        </p:tgtEl>
+                                        <p:attrNameLst>
+                                          <p:attrName>style.visibility</p:attrName>
+                                        </p:attrNameLst>
+                                      </p:cBhvr>
+                                      <p:to>
+                                        <p:strVal val="hidden"/>
+                                      </p:to>
+                                    </p:set>
+                                  </p:childTnLst>
+                                </p:cTn>
+                              </p:par>
+                            </p:childTnLst>
+                          </p:cTn>
+                        </p:par>
+                      </p:childTnLst>
+                    </p:cTn>
+                  </p:par>
+                  <p:par>
+                    <p:cTn id="126" fill="hold">
+                      <p:stCondLst>
+                        <p:cond delay="indefinite"/>
+                      </p:stCondLst>
+                      <p:childTnLst>
+                        <p:par>
+                          <p:cTn id="127" fill="hold">
+                            <p:stCondLst>
+                              <p:cond delay="0"/>
+                            </p:stCondLst>
+                            <p:childTnLst>
+                              <p:par>
+                                <p:cTn id="128" presetID="10" presetClass="entr" presetSubtype="0" fill="hold" grpId="0" nodeType="clickEffect">
+                                  <p:stCondLst>
+                                    <p:cond delay="0"/>
+                                  </p:stCondLst>
+                                  <p:childTnLst>
+                                    <p:set>
+                                      <p:cBhvr>
+                                        <p:cTn id="129" dur="1" fill="hold">
+                                          <p:stCondLst>
+                                            <p:cond delay="0"/>
+                                          </p:stCondLst>
+                                        </p:cTn>
+                                        <p:tgtEl>
+                                          <p:spTgt spid="83"/>
+                                        </p:tgtEl>
+                                        <p:attrNameLst>
+                                          <p:attrName>style.visibility</p:attrName>
+                                        </p:attrNameLst>
+                                      </p:cBhvr>
+                                      <p:to>
+                                        <p:strVal val="visible"/>
+                                      </p:to>
+                                    </p:set>
+                                    <p:animEffect transition="in" filter="fade">
+                                      <p:cBhvr>
+                                        <p:cTn id="130" dur="500"/>
+                                        <p:tgtEl>
+                                          <p:spTgt spid="83"/>
+                                        </p:tgtEl>
+                                      </p:cBhvr>
+                                    </p:animEffect>
+                                  </p:childTnLst>
+                                </p:cTn>
+                              </p:par>
+                              <p:par>
+                                <p:cTn id="131" presetID="10" presetClass="exit" presetSubtype="0" fill="hold" grpId="8" nodeType="withEffect">
+                                  <p:stCondLst>
+                                    <p:cond delay="0"/>
+                                  </p:stCondLst>
+                                  <p:childTnLst>
+                                    <p:animEffect transition="out" filter="fade">
+                                      <p:cBhvr>
+                                        <p:cTn id="132" dur="500"/>
+                                        <p:tgtEl>
+                                          <p:spTgt spid="72"/>
+                                        </p:tgtEl>
+                                      </p:cBhvr>
+                                    </p:animEffect>
+                                    <p:set>
+                                      <p:cBhvr>
+                                        <p:cTn id="133" dur="1" fill="hold">
+                                          <p:stCondLst>
+                                            <p:cond delay="499"/>
+                                          </p:stCondLst>
+                                        </p:cTn>
+                                        <p:tgtEl>
+                                          <p:spTgt spid="72"/>
+                                        </p:tgtEl>
+                                        <p:attrNameLst>
+                                          <p:attrName>style.visibility</p:attrName>
+                                        </p:attrNameLst>
+                                      </p:cBhvr>
+                                      <p:to>
+                                        <p:strVal val="hidden"/>
+                                      </p:to>
+                                    </p:set>
+                                  </p:childTnLst>
+                                </p:cTn>
+                              </p:par>
+                              <p:par>
+                                <p:cTn id="134" presetID="53" presetClass="entr" presetSubtype="16" fill="hold" grpId="0" nodeType="withEffect">
+                                  <p:stCondLst>
+                                    <p:cond delay="0"/>
+                                  </p:stCondLst>
+                                  <p:childTnLst>
+                                    <p:set>
+                                      <p:cBhvr>
+                                        <p:cTn id="135" dur="1" fill="hold">
+                                          <p:stCondLst>
+                                            <p:cond delay="0"/>
+                                          </p:stCondLst>
+                                        </p:cTn>
+                                        <p:tgtEl>
+                                          <p:spTgt spid="95"/>
+                                        </p:tgtEl>
+                                        <p:attrNameLst>
+                                          <p:attrName>style.visibility</p:attrName>
+                                        </p:attrNameLst>
+                                      </p:cBhvr>
+                                      <p:to>
+                                        <p:strVal val="visible"/>
+                                      </p:to>
+                                    </p:set>
+                                    <p:anim calcmode="lin" valueType="num">
+                                      <p:cBhvr>
+                                        <p:cTn id="136" dur="500" fill="hold"/>
+                                        <p:tgtEl>
+                                          <p:spTgt spid="95"/>
+                                        </p:tgtEl>
+                                        <p:attrNameLst>
+                                          <p:attrName>ppt_w</p:attrName>
+                                        </p:attrNameLst>
+                                      </p:cBhvr>
+                                      <p:tavLst>
+                                        <p:tav tm="0">
+                                          <p:val>
+                                            <p:fltVal val="0"/>
+                                          </p:val>
+                                        </p:tav>
+                                        <p:tav tm="100000">
+                                          <p:val>
+                                            <p:strVal val="#ppt_w"/>
+                                          </p:val>
+                                        </p:tav>
+                                      </p:tavLst>
+                                    </p:anim>
+                                    <p:anim calcmode="lin" valueType="num">
+                                      <p:cBhvr>
+                                        <p:cTn id="137" dur="500" fill="hold"/>
+                                        <p:tgtEl>
+                                          <p:spTgt spid="95"/>
+                                        </p:tgtEl>
+                                        <p:attrNameLst>
+                                          <p:attrName>ppt_h</p:attrName>
+                                        </p:attrNameLst>
+                                      </p:cBhvr>
+                                      <p:tavLst>
+                                        <p:tav tm="0">
+                                          <p:val>
+                                            <p:fltVal val="0"/>
+                                          </p:val>
+                                        </p:tav>
+                                        <p:tav tm="100000">
+                                          <p:val>
+                                            <p:strVal val="#ppt_h"/>
+                                          </p:val>
+                                        </p:tav>
+                                      </p:tavLst>
+                                    </p:anim>
+                                    <p:animEffect transition="in" filter="fade">
+                                      <p:cBhvr>
+                                        <p:cTn id="138" dur="500"/>
+                                        <p:tgtEl>
+                                          <p:spTgt spid="95"/>
+                                        </p:tgtEl>
+                                      </p:cBhvr>
+                                    </p:animEffect>
+                                  </p:childTnLst>
+                                </p:cTn>
+                              </p:par>
+                            </p:childTnLst>
+                          </p:cTn>
+                        </p:par>
+                        <p:par>
+                          <p:cTn id="139" fill="hold">
+                            <p:stCondLst>
+                              <p:cond delay="500"/>
+                            </p:stCondLst>
+                            <p:childTnLst>
+                              <p:par>
+                                <p:cTn id="140" presetID="14" presetClass="entr" presetSubtype="10" fill="hold" grpId="0" nodeType="afterEffect">
+                                  <p:stCondLst>
+                                    <p:cond delay="0"/>
+                                  </p:stCondLst>
+                                  <p:childTnLst>
+                                    <p:set>
+                                      <p:cBhvr>
+                                        <p:cTn id="141" dur="1" fill="hold">
+                                          <p:stCondLst>
+                                            <p:cond delay="0"/>
+                                          </p:stCondLst>
+                                        </p:cTn>
+                                        <p:tgtEl>
+                                          <p:spTgt spid="98"/>
+                                        </p:tgtEl>
+                                        <p:attrNameLst>
+                                          <p:attrName>style.visibility</p:attrName>
+                                        </p:attrNameLst>
+                                      </p:cBhvr>
+                                      <p:to>
+                                        <p:strVal val="visible"/>
+                                      </p:to>
+                                    </p:set>
+                                    <p:animEffect transition="in" filter="randombar(horizontal)">
+                                      <p:cBhvr>
+                                        <p:cTn id="142" dur="500"/>
+                                        <p:tgtEl>
+                                          <p:spTgt spid="98"/>
+                                        </p:tgtEl>
+                                      </p:cBhvr>
+                                    </p:animEffect>
+                                  </p:childTnLst>
+                                </p:cTn>
+                              </p:par>
+                            </p:childTnLst>
+                          </p:cTn>
+                        </p:par>
+                        <p:par>
+                          <p:cTn id="143" fill="hold">
+                            <p:stCondLst>
+                              <p:cond delay="1000"/>
+                            </p:stCondLst>
+                            <p:childTnLst>
+                              <p:par>
+                                <p:cTn id="144" presetID="10" presetClass="entr" presetSubtype="0" fill="hold" grpId="0" nodeType="afterEffect">
+                                  <p:stCondLst>
+                                    <p:cond delay="0"/>
+                                  </p:stCondLst>
+                                  <p:childTnLst>
+                                    <p:set>
+                                      <p:cBhvr>
+                                        <p:cTn id="145" dur="1" fill="hold">
+                                          <p:stCondLst>
+                                            <p:cond delay="0"/>
+                                          </p:stCondLst>
+                                        </p:cTn>
+                                        <p:tgtEl>
+                                          <p:spTgt spid="96"/>
+                                        </p:tgtEl>
+                                        <p:attrNameLst>
+                                          <p:attrName>style.visibility</p:attrName>
+                                        </p:attrNameLst>
+                                      </p:cBhvr>
+                                      <p:to>
+                                        <p:strVal val="visible"/>
+                                      </p:to>
+                                    </p:set>
+                                    <p:animEffect transition="in" filter="fade">
+                                      <p:cBhvr>
+                                        <p:cTn id="146" dur="500"/>
+                                        <p:tgtEl>
+                                          <p:spTgt spid="96"/>
+                                        </p:tgtEl>
+                                      </p:cBhvr>
+                                    </p:animEffect>
+                                  </p:childTnLst>
+                                </p:cTn>
+                              </p:par>
+                            </p:childTnLst>
+                          </p:cTn>
+                        </p:par>
+                        <p:par>
+                          <p:cTn id="147" fill="hold">
+                            <p:stCondLst>
+                              <p:cond delay="1500"/>
+                            </p:stCondLst>
+                            <p:childTnLst>
+                              <p:par>
+                                <p:cTn id="148" presetID="14" presetClass="entr" presetSubtype="10" fill="hold" grpId="0" nodeType="afterEffect">
+                                  <p:stCondLst>
+                                    <p:cond delay="0"/>
+                                  </p:stCondLst>
+                                  <p:childTnLst>
+                                    <p:set>
+                                      <p:cBhvr>
+                                        <p:cTn id="149" dur="1" fill="hold">
+                                          <p:stCondLst>
+                                            <p:cond delay="0"/>
+                                          </p:stCondLst>
+                                        </p:cTn>
+                                        <p:tgtEl>
+                                          <p:spTgt spid="97"/>
+                                        </p:tgtEl>
+                                        <p:attrNameLst>
+                                          <p:attrName>style.visibility</p:attrName>
+                                        </p:attrNameLst>
+                                      </p:cBhvr>
+                                      <p:to>
+                                        <p:strVal val="visible"/>
+                                      </p:to>
+                                    </p:set>
+                                    <p:animEffect transition="in" filter="randombar(horizontal)">
+                                      <p:cBhvr>
+                                        <p:cTn id="150" dur="500"/>
+                                        <p:tgtEl>
+                                          <p:spTgt spid="97"/>
+                                        </p:tgtEl>
+                                      </p:cBhvr>
+                                    </p:animEffect>
+                                  </p:childTnLst>
+                                </p:cTn>
+                              </p:par>
+                            </p:childTnLst>
+                          </p:cTn>
+                        </p:par>
+                        <p:par>
+                          <p:cTn id="151" fill="hold">
+                            <p:stCondLst>
+                              <p:cond delay="2000"/>
+                            </p:stCondLst>
+                            <p:childTnLst>
+                              <p:par>
+                                <p:cTn id="152" presetID="10" presetClass="entr" presetSubtype="0" fill="hold" grpId="0" nodeType="afterEffect">
+                                  <p:stCondLst>
+                                    <p:cond delay="0"/>
+                                  </p:stCondLst>
+                                  <p:childTnLst>
+                                    <p:set>
+                                      <p:cBhvr>
+                                        <p:cTn id="153" dur="1" fill="hold">
+                                          <p:stCondLst>
+                                            <p:cond delay="0"/>
+                                          </p:stCondLst>
+                                        </p:cTn>
+                                        <p:tgtEl>
+                                          <p:spTgt spid="91"/>
+                                        </p:tgtEl>
+                                        <p:attrNameLst>
+                                          <p:attrName>style.visibility</p:attrName>
+                                        </p:attrNameLst>
+                                      </p:cBhvr>
+                                      <p:to>
+                                        <p:strVal val="visible"/>
+                                      </p:to>
+                                    </p:set>
+                                    <p:animEffect transition="in" filter="fade">
+                                      <p:cBhvr>
+                                        <p:cTn id="154" dur="500"/>
+                                        <p:tgtEl>
+                                          <p:spTgt spid="91"/>
+                                        </p:tgtEl>
+                                      </p:cBhvr>
+                                    </p:animEffect>
+                                  </p:childTnLst>
+                                </p:cTn>
+                              </p:par>
+                              <p:par>
+                                <p:cTn id="155" presetID="10" presetClass="entr" presetSubtype="0" fill="hold" grpId="0" nodeType="withEffect">
+                                  <p:stCondLst>
+                                    <p:cond delay="0"/>
+                                  </p:stCondLst>
+                                  <p:childTnLst>
+                                    <p:set>
+                                      <p:cBhvr>
+                                        <p:cTn id="156" dur="1" fill="hold">
+                                          <p:stCondLst>
+                                            <p:cond delay="0"/>
+                                          </p:stCondLst>
+                                        </p:cTn>
+                                        <p:tgtEl>
+                                          <p:spTgt spid="90"/>
+                                        </p:tgtEl>
+                                        <p:attrNameLst>
+                                          <p:attrName>style.visibility</p:attrName>
+                                        </p:attrNameLst>
+                                      </p:cBhvr>
+                                      <p:to>
+                                        <p:strVal val="visible"/>
+                                      </p:to>
+                                    </p:set>
+                                    <p:animEffect transition="in" filter="fade">
+                                      <p:cBhvr>
+                                        <p:cTn id="157" dur="500"/>
+                                        <p:tgtEl>
+                                          <p:spTgt spid="90"/>
+                                        </p:tgtEl>
+                                      </p:cBhvr>
+                                    </p:animEffect>
+                                  </p:childTnLst>
+                                </p:cTn>
+                              </p:par>
+                              <p:par>
+                                <p:cTn id="158" presetID="10" presetClass="entr" presetSubtype="0" fill="hold" grpId="0" nodeType="withEffect">
+                                  <p:stCondLst>
+                                    <p:cond delay="0"/>
+                                  </p:stCondLst>
+                                  <p:childTnLst>
+                                    <p:set>
+                                      <p:cBhvr>
+                                        <p:cTn id="159" dur="1" fill="hold">
+                                          <p:stCondLst>
+                                            <p:cond delay="0"/>
+                                          </p:stCondLst>
+                                        </p:cTn>
+                                        <p:tgtEl>
+                                          <p:spTgt spid="89"/>
+                                        </p:tgtEl>
+                                        <p:attrNameLst>
+                                          <p:attrName>style.visibility</p:attrName>
+                                        </p:attrNameLst>
+                                      </p:cBhvr>
+                                      <p:to>
+                                        <p:strVal val="visible"/>
+                                      </p:to>
+                                    </p:set>
+                                    <p:animEffect transition="in" filter="fade">
+                                      <p:cBhvr>
+                                        <p:cTn id="160" dur="500"/>
+                                        <p:tgtEl>
+                                          <p:spTgt spid="89"/>
+                                        </p:tgtEl>
+                                      </p:cBhvr>
+                                    </p:animEffect>
+                                  </p:childTnLst>
+                                </p:cTn>
+                              </p:par>
+                            </p:childTnLst>
+                          </p:cTn>
+                        </p:par>
+                        <p:par>
+                          <p:cTn id="161" fill="hold">
+                            <p:stCondLst>
+                              <p:cond delay="2500"/>
+                            </p:stCondLst>
+                            <p:childTnLst>
+                              <p:par>
+                                <p:cTn id="162" presetID="14" presetClass="entr" presetSubtype="10" fill="hold" grpId="0" nodeType="afterEffect">
+                                  <p:stCondLst>
+                                    <p:cond delay="0"/>
+                                  </p:stCondLst>
+                                  <p:childTnLst>
+                                    <p:set>
+                                      <p:cBhvr>
+                                        <p:cTn id="163" dur="1" fill="hold">
+                                          <p:stCondLst>
+                                            <p:cond delay="0"/>
+                                          </p:stCondLst>
+                                        </p:cTn>
+                                        <p:tgtEl>
+                                          <p:spTgt spid="88"/>
+                                        </p:tgtEl>
+                                        <p:attrNameLst>
+                                          <p:attrName>style.visibility</p:attrName>
+                                        </p:attrNameLst>
+                                      </p:cBhvr>
+                                      <p:to>
+                                        <p:strVal val="visible"/>
+                                      </p:to>
+                                    </p:set>
+                                    <p:animEffect transition="in" filter="randombar(horizontal)">
+                                      <p:cBhvr>
+                                        <p:cTn id="164" dur="500"/>
+                                        <p:tgtEl>
+                                          <p:spTgt spid="88"/>
+                                        </p:tgtEl>
+                                      </p:cBhvr>
+                                    </p:animEffect>
+                                  </p:childTnLst>
+                                </p:cTn>
+                              </p:par>
+                            </p:childTnLst>
+                          </p:cTn>
+                        </p:par>
+                      </p:childTnLst>
+                    </p:cTn>
+                  </p:par>
+                  <p:par>
+                    <p:cTn id="165" fill="hold">
+                      <p:stCondLst>
+                        <p:cond delay="indefinite"/>
+                      </p:stCondLst>
+                      <p:childTnLst>
+                        <p:par>
+                          <p:cTn id="166" fill="hold">
+                            <p:stCondLst>
+                              <p:cond delay="0"/>
+                            </p:stCondLst>
+                            <p:childTnLst>
+                              <p:par>
+                                <p:cTn id="167" presetID="42" presetClass="path" presetSubtype="0" accel="50000" decel="50000" fill="hold" grpId="1" nodeType="clickEffect">
+                                  <p:stCondLst>
+                                    <p:cond delay="0"/>
+                                  </p:stCondLst>
+                                  <p:childTnLst>
+                                    <p:animMotion origin="layout" path="M -1.94444E-6 -4.07407E-6 L -1.94444E-6 0.09074 " pathEditMode="relative" rAng="0" ptsTypes="AA">
+                                      <p:cBhvr>
+                                        <p:cTn id="168" dur="500" fill="hold"/>
+                                        <p:tgtEl>
+                                          <p:spTgt spid="83"/>
+                                        </p:tgtEl>
+                                        <p:attrNameLst>
+                                          <p:attrName>ppt_x</p:attrName>
+                                          <p:attrName>ppt_y</p:attrName>
+                                        </p:attrNameLst>
+                                      </p:cBhvr>
+                                      <p:rCtr x="0" y="4537"/>
+                                    </p:animMotion>
+                                  </p:childTnLst>
+                                </p:cTn>
+                              </p:par>
+                              <p:par>
+                                <p:cTn id="169" presetID="16" presetClass="exit" presetSubtype="21" fill="hold" grpId="1" nodeType="withEffect">
+                                  <p:stCondLst>
+                                    <p:cond delay="0"/>
+                                  </p:stCondLst>
+                                  <p:childTnLst>
+                                    <p:animEffect transition="out" filter="barn(inVertical)">
+                                      <p:cBhvr>
+                                        <p:cTn id="170" dur="500"/>
+                                        <p:tgtEl>
+                                          <p:spTgt spid="95"/>
+                                        </p:tgtEl>
+                                      </p:cBhvr>
+                                    </p:animEffect>
+                                    <p:set>
+                                      <p:cBhvr>
+                                        <p:cTn id="171" dur="1" fill="hold">
+                                          <p:stCondLst>
+                                            <p:cond delay="499"/>
+                                          </p:stCondLst>
+                                        </p:cTn>
+                                        <p:tgtEl>
+                                          <p:spTgt spid="95"/>
+                                        </p:tgtEl>
+                                        <p:attrNameLst>
+                                          <p:attrName>style.visibility</p:attrName>
+                                        </p:attrNameLst>
+                                      </p:cBhvr>
+                                      <p:to>
+                                        <p:strVal val="hidden"/>
+                                      </p:to>
+                                    </p:set>
+                                  </p:childTnLst>
+                                </p:cTn>
+                              </p:par>
+                              <p:par>
+                                <p:cTn id="172" presetID="10" presetClass="exit" presetSubtype="0" fill="hold" grpId="1" nodeType="withEffect">
+                                  <p:stCondLst>
+                                    <p:cond delay="0"/>
+                                  </p:stCondLst>
+                                  <p:childTnLst>
+                                    <p:animEffect transition="out" filter="fade">
+                                      <p:cBhvr>
+                                        <p:cTn id="173" dur="500"/>
+                                        <p:tgtEl>
+                                          <p:spTgt spid="98"/>
+                                        </p:tgtEl>
+                                      </p:cBhvr>
+                                    </p:animEffect>
+                                    <p:set>
+                                      <p:cBhvr>
+                                        <p:cTn id="174" dur="1" fill="hold">
+                                          <p:stCondLst>
+                                            <p:cond delay="499"/>
+                                          </p:stCondLst>
+                                        </p:cTn>
+                                        <p:tgtEl>
+                                          <p:spTgt spid="98"/>
+                                        </p:tgtEl>
+                                        <p:attrNameLst>
+                                          <p:attrName>style.visibility</p:attrName>
+                                        </p:attrNameLst>
+                                      </p:cBhvr>
+                                      <p:to>
+                                        <p:strVal val="hidden"/>
+                                      </p:to>
+                                    </p:set>
+                                  </p:childTnLst>
+                                </p:cTn>
+                              </p:par>
+                              <p:par>
+                                <p:cTn id="175" presetID="10" presetClass="exit" presetSubtype="0" fill="hold" grpId="1" nodeType="withEffect">
+                                  <p:stCondLst>
+                                    <p:cond delay="0"/>
+                                  </p:stCondLst>
+                                  <p:childTnLst>
+                                    <p:animEffect transition="out" filter="fade">
+                                      <p:cBhvr>
+                                        <p:cTn id="176" dur="500"/>
+                                        <p:tgtEl>
+                                          <p:spTgt spid="96"/>
+                                        </p:tgtEl>
+                                      </p:cBhvr>
+                                    </p:animEffect>
+                                    <p:set>
+                                      <p:cBhvr>
+                                        <p:cTn id="177" dur="1" fill="hold">
+                                          <p:stCondLst>
+                                            <p:cond delay="499"/>
+                                          </p:stCondLst>
+                                        </p:cTn>
+                                        <p:tgtEl>
+                                          <p:spTgt spid="96"/>
+                                        </p:tgtEl>
+                                        <p:attrNameLst>
+                                          <p:attrName>style.visibility</p:attrName>
+                                        </p:attrNameLst>
+                                      </p:cBhvr>
+                                      <p:to>
+                                        <p:strVal val="hidden"/>
+                                      </p:to>
+                                    </p:set>
+                                  </p:childTnLst>
+                                </p:cTn>
+                              </p:par>
+                              <p:par>
+                                <p:cTn id="178" presetID="10" presetClass="exit" presetSubtype="0" fill="hold" grpId="1" nodeType="withEffect">
+                                  <p:stCondLst>
+                                    <p:cond delay="0"/>
+                                  </p:stCondLst>
+                                  <p:childTnLst>
+                                    <p:animEffect transition="out" filter="fade">
+                                      <p:cBhvr>
+                                        <p:cTn id="179" dur="500"/>
+                                        <p:tgtEl>
+                                          <p:spTgt spid="97"/>
+                                        </p:tgtEl>
+                                      </p:cBhvr>
+                                    </p:animEffect>
+                                    <p:set>
+                                      <p:cBhvr>
+                                        <p:cTn id="180" dur="1" fill="hold">
+                                          <p:stCondLst>
+                                            <p:cond delay="499"/>
+                                          </p:stCondLst>
+                                        </p:cTn>
+                                        <p:tgtEl>
+                                          <p:spTgt spid="97"/>
+                                        </p:tgtEl>
+                                        <p:attrNameLst>
+                                          <p:attrName>style.visibility</p:attrName>
+                                        </p:attrNameLst>
+                                      </p:cBhvr>
+                                      <p:to>
+                                        <p:strVal val="hidden"/>
+                                      </p:to>
+                                    </p:set>
+                                  </p:childTnLst>
+                                </p:cTn>
+                              </p:par>
+                              <p:par>
+                                <p:cTn id="181" presetID="10" presetClass="exit" presetSubtype="0" fill="hold" grpId="1" nodeType="withEffect">
+                                  <p:stCondLst>
+                                    <p:cond delay="0"/>
+                                  </p:stCondLst>
+                                  <p:childTnLst>
+                                    <p:animEffect transition="out" filter="fade">
+                                      <p:cBhvr>
+                                        <p:cTn id="182" dur="500"/>
+                                        <p:tgtEl>
+                                          <p:spTgt spid="91"/>
+                                        </p:tgtEl>
+                                      </p:cBhvr>
+                                    </p:animEffect>
+                                    <p:set>
+                                      <p:cBhvr>
+                                        <p:cTn id="183" dur="1" fill="hold">
+                                          <p:stCondLst>
+                                            <p:cond delay="499"/>
+                                          </p:stCondLst>
+                                        </p:cTn>
+                                        <p:tgtEl>
+                                          <p:spTgt spid="91"/>
+                                        </p:tgtEl>
+                                        <p:attrNameLst>
+                                          <p:attrName>style.visibility</p:attrName>
+                                        </p:attrNameLst>
+                                      </p:cBhvr>
+                                      <p:to>
+                                        <p:strVal val="hidden"/>
+                                      </p:to>
+                                    </p:set>
+                                  </p:childTnLst>
+                                </p:cTn>
+                              </p:par>
+                              <p:par>
+                                <p:cTn id="184" presetID="10" presetClass="exit" presetSubtype="0" fill="hold" grpId="1" nodeType="withEffect">
+                                  <p:stCondLst>
+                                    <p:cond delay="0"/>
+                                  </p:stCondLst>
+                                  <p:childTnLst>
+                                    <p:animEffect transition="out" filter="fade">
+                                      <p:cBhvr>
+                                        <p:cTn id="185" dur="500"/>
+                                        <p:tgtEl>
+                                          <p:spTgt spid="88"/>
+                                        </p:tgtEl>
+                                      </p:cBhvr>
+                                    </p:animEffect>
+                                    <p:set>
+                                      <p:cBhvr>
+                                        <p:cTn id="186" dur="1" fill="hold">
+                                          <p:stCondLst>
+                                            <p:cond delay="499"/>
+                                          </p:stCondLst>
+                                        </p:cTn>
+                                        <p:tgtEl>
+                                          <p:spTgt spid="88"/>
+                                        </p:tgtEl>
+                                        <p:attrNameLst>
+                                          <p:attrName>style.visibility</p:attrName>
+                                        </p:attrNameLst>
+                                      </p:cBhvr>
+                                      <p:to>
+                                        <p:strVal val="hidden"/>
+                                      </p:to>
+                                    </p:set>
+                                  </p:childTnLst>
+                                </p:cTn>
+                              </p:par>
+                              <p:par>
+                                <p:cTn id="187" presetID="10" presetClass="exit" presetSubtype="0" fill="hold" grpId="1" nodeType="withEffect">
+                                  <p:stCondLst>
+                                    <p:cond delay="0"/>
+                                  </p:stCondLst>
+                                  <p:childTnLst>
+                                    <p:animEffect transition="out" filter="fade">
+                                      <p:cBhvr>
+                                        <p:cTn id="188" dur="500"/>
+                                        <p:tgtEl>
+                                          <p:spTgt spid="90"/>
+                                        </p:tgtEl>
+                                      </p:cBhvr>
+                                    </p:animEffect>
+                                    <p:set>
+                                      <p:cBhvr>
+                                        <p:cTn id="189" dur="1" fill="hold">
+                                          <p:stCondLst>
+                                            <p:cond delay="499"/>
+                                          </p:stCondLst>
+                                        </p:cTn>
+                                        <p:tgtEl>
+                                          <p:spTgt spid="90"/>
+                                        </p:tgtEl>
+                                        <p:attrNameLst>
+                                          <p:attrName>style.visibility</p:attrName>
+                                        </p:attrNameLst>
+                                      </p:cBhvr>
+                                      <p:to>
+                                        <p:strVal val="hidden"/>
+                                      </p:to>
+                                    </p:set>
+                                  </p:childTnLst>
+                                </p:cTn>
+                              </p:par>
+                              <p:par>
+                                <p:cTn id="190" presetID="10" presetClass="exit" presetSubtype="0" fill="hold" grpId="1" nodeType="withEffect">
+                                  <p:stCondLst>
+                                    <p:cond delay="0"/>
+                                  </p:stCondLst>
+                                  <p:childTnLst>
+                                    <p:animEffect transition="out" filter="fade">
+                                      <p:cBhvr>
+                                        <p:cTn id="191" dur="500"/>
+                                        <p:tgtEl>
+                                          <p:spTgt spid="89"/>
+                                        </p:tgtEl>
+                                      </p:cBhvr>
+                                    </p:animEffect>
+                                    <p:set>
+                                      <p:cBhvr>
+                                        <p:cTn id="192" dur="1" fill="hold">
+                                          <p:stCondLst>
+                                            <p:cond delay="499"/>
+                                          </p:stCondLst>
+                                        </p:cTn>
+                                        <p:tgtEl>
+                                          <p:spTgt spid="89"/>
+                                        </p:tgtEl>
+                                        <p:attrNameLst>
+                                          <p:attrName>style.visibility</p:attrName>
+                                        </p:attrNameLst>
+                                      </p:cBhvr>
+                                      <p:to>
+                                        <p:strVal val="hidden"/>
+                                      </p:to>
+                                    </p:set>
+                                  </p:childTnLst>
+                                </p:cTn>
+                              </p:par>
+                            </p:childTnLst>
+                          </p:cTn>
+                        </p:par>
+                      </p:childTnLst>
+                    </p:cTn>
+                  </p:par>
+                  <p:par>
+                    <p:cTn id="193" fill="hold">
+                      <p:stCondLst>
+                        <p:cond delay="indefinite"/>
+                      </p:stCondLst>
+                      <p:childTnLst>
+                        <p:par>
+                          <p:cTn id="194" fill="hold">
+                            <p:stCondLst>
+                              <p:cond delay="0"/>
+                            </p:stCondLst>
+                            <p:childTnLst>
+                              <p:par>
+                                <p:cTn id="195" presetID="42" presetClass="path" presetSubtype="0" accel="50000" decel="50000" fill="hold" grpId="2" nodeType="clickEffect">
+                                  <p:stCondLst>
+                                    <p:cond delay="0"/>
+                                  </p:stCondLst>
+                                  <p:childTnLst>
+                                    <p:animMotion origin="layout" path="M -1.94444E-6 0.09074 L -0.14462 0.29028 " pathEditMode="relative" rAng="0" ptsTypes="AA">
+                                      <p:cBhvr>
+                                        <p:cTn id="196" dur="500" fill="hold"/>
+                                        <p:tgtEl>
+                                          <p:spTgt spid="83"/>
+                                        </p:tgtEl>
+                                        <p:attrNameLst>
+                                          <p:attrName>ppt_x</p:attrName>
+                                          <p:attrName>ppt_y</p:attrName>
+                                        </p:attrNameLst>
+                                      </p:cBhvr>
+                                      <p:rCtr x="-7240" y="9977"/>
+                                    </p:animMotion>
+                                  </p:childTnLst>
+                                </p:cTn>
+                              </p:par>
+                              <p:par>
+                                <p:cTn id="197" presetID="10" presetClass="entr" presetSubtype="0" fill="hold" grpId="0" nodeType="withEffect">
+                                  <p:stCondLst>
+                                    <p:cond delay="0"/>
+                                  </p:stCondLst>
+                                  <p:childTnLst>
+                                    <p:set>
+                                      <p:cBhvr>
+                                        <p:cTn id="198" dur="1" fill="hold">
+                                          <p:stCondLst>
+                                            <p:cond delay="0"/>
+                                          </p:stCondLst>
+                                        </p:cTn>
+                                        <p:tgtEl>
+                                          <p:spTgt spid="84"/>
+                                        </p:tgtEl>
+                                        <p:attrNameLst>
+                                          <p:attrName>style.visibility</p:attrName>
+                                        </p:attrNameLst>
+                                      </p:cBhvr>
+                                      <p:to>
+                                        <p:strVal val="visible"/>
+                                      </p:to>
+                                    </p:set>
+                                    <p:animEffect transition="in" filter="fade">
+                                      <p:cBhvr>
+                                        <p:cTn id="199" dur="500"/>
+                                        <p:tgtEl>
+                                          <p:spTgt spid="84"/>
+                                        </p:tgtEl>
+                                      </p:cBhvr>
+                                    </p:animEffect>
+                                  </p:childTnLst>
+                                </p:cTn>
+                              </p:par>
+                              <p:par>
+                                <p:cTn id="200" presetID="14" presetClass="entr" presetSubtype="10" fill="hold" grpId="0" nodeType="withEffect">
+                                  <p:stCondLst>
+                                    <p:cond delay="0"/>
+                                  </p:stCondLst>
+                                  <p:childTnLst>
+                                    <p:set>
+                                      <p:cBhvr>
+                                        <p:cTn id="201" dur="1" fill="hold">
+                                          <p:stCondLst>
+                                            <p:cond delay="0"/>
+                                          </p:stCondLst>
+                                        </p:cTn>
+                                        <p:tgtEl>
+                                          <p:spTgt spid="85"/>
+                                        </p:tgtEl>
+                                        <p:attrNameLst>
+                                          <p:attrName>style.visibility</p:attrName>
+                                        </p:attrNameLst>
+                                      </p:cBhvr>
+                                      <p:to>
+                                        <p:strVal val="visible"/>
+                                      </p:to>
+                                    </p:set>
+                                    <p:animEffect transition="in" filter="randombar(horizontal)">
+                                      <p:cBhvr>
+                                        <p:cTn id="202" dur="500"/>
+                                        <p:tgtEl>
+                                          <p:spTgt spid="85"/>
+                                        </p:tgtEl>
+                                      </p:cBhvr>
+                                    </p:animEffect>
+                                  </p:childTnLst>
+                                </p:cTn>
+                              </p:par>
+                            </p:childTnLst>
+                          </p:cTn>
+                        </p:par>
+                      </p:childTnLst>
+                    </p:cTn>
+                  </p:par>
+                  <p:par>
+                    <p:cTn id="203" fill="hold">
+                      <p:stCondLst>
+                        <p:cond delay="indefinite"/>
+                      </p:stCondLst>
+                      <p:childTnLst>
+                        <p:par>
+                          <p:cTn id="204" fill="hold">
+                            <p:stCondLst>
+                              <p:cond delay="0"/>
+                            </p:stCondLst>
+                            <p:childTnLst>
+                              <p:par>
+                                <p:cTn id="205" presetID="42" presetClass="path" presetSubtype="0" accel="50000" decel="50000" fill="hold" grpId="4" nodeType="clickEffect">
+                                  <p:stCondLst>
+                                    <p:cond delay="0"/>
+                                  </p:stCondLst>
+                                  <p:childTnLst>
+                                    <p:animMotion origin="layout" path="M -0.14462 0.29028 L -0.00295 0.09074 " pathEditMode="relative" rAng="0" ptsTypes="AA">
+                                      <p:cBhvr>
+                                        <p:cTn id="206" dur="500" fill="hold"/>
+                                        <p:tgtEl>
+                                          <p:spTgt spid="83"/>
+                                        </p:tgtEl>
+                                        <p:attrNameLst>
+                                          <p:attrName>ppt_x</p:attrName>
+                                          <p:attrName>ppt_y</p:attrName>
+                                        </p:attrNameLst>
+                                      </p:cBhvr>
+                                      <p:rCtr x="7083" y="-9977"/>
+                                    </p:animMotion>
+                                  </p:childTnLst>
+                                </p:cTn>
+                              </p:par>
+                              <p:par>
+                                <p:cTn id="207" presetID="10" presetClass="exit" presetSubtype="0" fill="hold" grpId="1" nodeType="withEffect">
+                                  <p:stCondLst>
+                                    <p:cond delay="0"/>
+                                  </p:stCondLst>
+                                  <p:childTnLst>
+                                    <p:animEffect transition="out" filter="fade">
+                                      <p:cBhvr>
+                                        <p:cTn id="208" dur="500"/>
+                                        <p:tgtEl>
+                                          <p:spTgt spid="84"/>
+                                        </p:tgtEl>
+                                      </p:cBhvr>
+                                    </p:animEffect>
+                                    <p:set>
+                                      <p:cBhvr>
+                                        <p:cTn id="209" dur="1" fill="hold">
+                                          <p:stCondLst>
+                                            <p:cond delay="499"/>
+                                          </p:stCondLst>
+                                        </p:cTn>
+                                        <p:tgtEl>
+                                          <p:spTgt spid="84"/>
+                                        </p:tgtEl>
+                                        <p:attrNameLst>
+                                          <p:attrName>style.visibility</p:attrName>
+                                        </p:attrNameLst>
+                                      </p:cBhvr>
+                                      <p:to>
+                                        <p:strVal val="hidden"/>
+                                      </p:to>
+                                    </p:set>
+                                  </p:childTnLst>
+                                </p:cTn>
+                              </p:par>
+                              <p:par>
+                                <p:cTn id="210" presetID="10" presetClass="exit" presetSubtype="0" fill="hold" grpId="1" nodeType="withEffect">
+                                  <p:stCondLst>
+                                    <p:cond delay="0"/>
+                                  </p:stCondLst>
+                                  <p:childTnLst>
+                                    <p:animEffect transition="out" filter="fade">
+                                      <p:cBhvr>
+                                        <p:cTn id="211" dur="500"/>
+                                        <p:tgtEl>
+                                          <p:spTgt spid="85"/>
+                                        </p:tgtEl>
+                                      </p:cBhvr>
+                                    </p:animEffect>
+                                    <p:set>
+                                      <p:cBhvr>
+                                        <p:cTn id="212" dur="1" fill="hold">
+                                          <p:stCondLst>
+                                            <p:cond delay="499"/>
+                                          </p:stCondLst>
+                                        </p:cTn>
+                                        <p:tgtEl>
+                                          <p:spTgt spid="85"/>
+                                        </p:tgtEl>
+                                        <p:attrNameLst>
+                                          <p:attrName>style.visibility</p:attrName>
+                                        </p:attrNameLst>
+                                      </p:cBhvr>
+                                      <p:to>
+                                        <p:strVal val="hidden"/>
+                                      </p:to>
+                                    </p:set>
+                                  </p:childTnLst>
+                                </p:cTn>
+                              </p:par>
+                            </p:childTnLst>
+                          </p:cTn>
+                        </p:par>
+                      </p:childTnLst>
+                    </p:cTn>
+                  </p:par>
+                  <p:par>
+                    <p:cTn id="213" fill="hold">
+                      <p:stCondLst>
+                        <p:cond delay="indefinite"/>
+                      </p:stCondLst>
+                      <p:childTnLst>
+                        <p:par>
+                          <p:cTn id="214" fill="hold">
+                            <p:stCondLst>
+                              <p:cond delay="0"/>
+                            </p:stCondLst>
+                            <p:childTnLst>
+                              <p:par>
+                                <p:cTn id="215" presetID="42" presetClass="path" presetSubtype="0" accel="50000" decel="50000" fill="hold" grpId="5" nodeType="clickEffect">
+                                  <p:stCondLst>
+                                    <p:cond delay="0"/>
+                                  </p:stCondLst>
+                                  <p:childTnLst>
+                                    <p:animMotion origin="layout" path="M -1.94444E-6 0.09074 L 0.11528 0.29028 " pathEditMode="relative" rAng="0" ptsTypes="AA">
+                                      <p:cBhvr>
+                                        <p:cTn id="216" dur="500" fill="hold"/>
+                                        <p:tgtEl>
+                                          <p:spTgt spid="83"/>
+                                        </p:tgtEl>
+                                        <p:attrNameLst>
+                                          <p:attrName>ppt_x</p:attrName>
+                                          <p:attrName>ppt_y</p:attrName>
+                                        </p:attrNameLst>
+                                      </p:cBhvr>
+                                      <p:rCtr x="5764" y="9977"/>
+                                    </p:animMotion>
+                                  </p:childTnLst>
+                                </p:cTn>
+                              </p:par>
+                              <p:par>
+                                <p:cTn id="217" presetID="10" presetClass="entr" presetSubtype="0" fill="hold" grpId="0" nodeType="withEffect">
+                                  <p:stCondLst>
+                                    <p:cond delay="0"/>
+                                  </p:stCondLst>
+                                  <p:childTnLst>
+                                    <p:set>
+                                      <p:cBhvr>
+                                        <p:cTn id="218" dur="1" fill="hold">
+                                          <p:stCondLst>
+                                            <p:cond delay="0"/>
+                                          </p:stCondLst>
+                                        </p:cTn>
+                                        <p:tgtEl>
+                                          <p:spTgt spid="86"/>
+                                        </p:tgtEl>
+                                        <p:attrNameLst>
+                                          <p:attrName>style.visibility</p:attrName>
+                                        </p:attrNameLst>
+                                      </p:cBhvr>
+                                      <p:to>
+                                        <p:strVal val="visible"/>
+                                      </p:to>
+                                    </p:set>
+                                    <p:animEffect transition="in" filter="fade">
+                                      <p:cBhvr>
+                                        <p:cTn id="219" dur="500"/>
+                                        <p:tgtEl>
+                                          <p:spTgt spid="86"/>
+                                        </p:tgtEl>
+                                      </p:cBhvr>
+                                    </p:animEffect>
+                                  </p:childTnLst>
+                                </p:cTn>
+                              </p:par>
+                              <p:par>
+                                <p:cTn id="220" presetID="14" presetClass="entr" presetSubtype="10" fill="hold" grpId="0" nodeType="withEffect">
+                                  <p:stCondLst>
+                                    <p:cond delay="0"/>
+                                  </p:stCondLst>
+                                  <p:childTnLst>
+                                    <p:set>
+                                      <p:cBhvr>
+                                        <p:cTn id="221" dur="1" fill="hold">
+                                          <p:stCondLst>
+                                            <p:cond delay="0"/>
+                                          </p:stCondLst>
+                                        </p:cTn>
+                                        <p:tgtEl>
+                                          <p:spTgt spid="87"/>
+                                        </p:tgtEl>
+                                        <p:attrNameLst>
+                                          <p:attrName>style.visibility</p:attrName>
+                                        </p:attrNameLst>
+                                      </p:cBhvr>
+                                      <p:to>
+                                        <p:strVal val="visible"/>
+                                      </p:to>
+                                    </p:set>
+                                    <p:animEffect transition="in" filter="randombar(horizontal)">
+                                      <p:cBhvr>
+                                        <p:cTn id="222" dur="500"/>
+                                        <p:tgtEl>
+                                          <p:spTgt spid="87"/>
+                                        </p:tgtEl>
+                                      </p:cBhvr>
+                                    </p:animEffect>
+                                  </p:childTnLst>
+                                </p:cTn>
+                              </p:par>
+                            </p:childTnLst>
+                          </p:cTn>
+                        </p:par>
+                      </p:childTnLst>
+                    </p:cTn>
+                  </p:par>
+                  <p:par>
+                    <p:cTn id="223" fill="hold">
+                      <p:stCondLst>
+                        <p:cond delay="indefinite"/>
+                      </p:stCondLst>
+                      <p:childTnLst>
+                        <p:par>
+                          <p:cTn id="224" fill="hold">
+                            <p:stCondLst>
+                              <p:cond delay="0"/>
+                            </p:stCondLst>
+                            <p:childTnLst>
+                              <p:par>
+                                <p:cTn id="225" presetID="10" presetClass="exit" presetSubtype="0" fill="hold" grpId="1" nodeType="clickEffect">
+                                  <p:stCondLst>
+                                    <p:cond delay="0"/>
+                                  </p:stCondLst>
+                                  <p:childTnLst>
+                                    <p:animEffect transition="out" filter="fade">
+                                      <p:cBhvr>
+                                        <p:cTn id="226" dur="500"/>
+                                        <p:tgtEl>
+                                          <p:spTgt spid="86"/>
+                                        </p:tgtEl>
+                                      </p:cBhvr>
+                                    </p:animEffect>
+                                    <p:set>
+                                      <p:cBhvr>
+                                        <p:cTn id="227" dur="1" fill="hold">
+                                          <p:stCondLst>
+                                            <p:cond delay="499"/>
+                                          </p:stCondLst>
+                                        </p:cTn>
+                                        <p:tgtEl>
+                                          <p:spTgt spid="86"/>
+                                        </p:tgtEl>
+                                        <p:attrNameLst>
+                                          <p:attrName>style.visibility</p:attrName>
+                                        </p:attrNameLst>
+                                      </p:cBhvr>
+                                      <p:to>
+                                        <p:strVal val="hidden"/>
+                                      </p:to>
+                                    </p:set>
+                                  </p:childTnLst>
+                                </p:cTn>
+                              </p:par>
+                              <p:par>
+                                <p:cTn id="228" presetID="10" presetClass="exit" presetSubtype="0" fill="hold" grpId="1" nodeType="withEffect">
+                                  <p:stCondLst>
+                                    <p:cond delay="0"/>
+                                  </p:stCondLst>
+                                  <p:childTnLst>
+                                    <p:animEffect transition="out" filter="fade">
+                                      <p:cBhvr>
+                                        <p:cTn id="229" dur="500"/>
+                                        <p:tgtEl>
+                                          <p:spTgt spid="87"/>
+                                        </p:tgtEl>
+                                      </p:cBhvr>
+                                    </p:animEffect>
+                                    <p:set>
+                                      <p:cBhvr>
+                                        <p:cTn id="230" dur="1" fill="hold">
+                                          <p:stCondLst>
+                                            <p:cond delay="499"/>
+                                          </p:stCondLst>
+                                        </p:cTn>
+                                        <p:tgtEl>
+                                          <p:spTgt spid="87"/>
+                                        </p:tgtEl>
+                                        <p:attrNameLst>
+                                          <p:attrName>style.visibility</p:attrName>
+                                        </p:attrNameLst>
+                                      </p:cBhvr>
+                                      <p:to>
+                                        <p:strVal val="hidden"/>
+                                      </p:to>
+                                    </p:set>
                                   </p:childTnLst>
                                 </p:cTn>
                               </p:par>
@@ -7117,9 +10639,360 @@
       <p:bldP spid="72" grpId="4" animBg="1"/>
       <p:bldP spid="72" grpId="5" animBg="1"/>
       <p:bldP spid="72" grpId="6" animBg="1"/>
+      <p:bldP spid="72" grpId="7" animBg="1"/>
+      <p:bldP spid="72" grpId="8" animBg="1"/>
       <p:bldP spid="75" grpId="0" animBg="1"/>
+      <p:bldP spid="75" grpId="1" animBg="1"/>
       <p:bldP spid="77" grpId="0" animBg="1"/>
+      <p:bldP spid="77" grpId="1" animBg="1"/>
+      <p:bldP spid="73" grpId="0" animBg="1"/>
+      <p:bldP spid="73" grpId="1" animBg="1"/>
+      <p:bldP spid="8" grpId="0" animBg="1"/>
+      <p:bldP spid="8" grpId="1" animBg="1"/>
+      <p:bldP spid="78" grpId="0" animBg="1"/>
+      <p:bldP spid="78" grpId="1" animBg="1"/>
+      <p:bldP spid="80" grpId="0" animBg="1"/>
+      <p:bldP spid="80" grpId="1" animBg="1"/>
+      <p:bldP spid="79" grpId="0" animBg="1"/>
+      <p:bldP spid="79" grpId="1" animBg="1"/>
+      <p:bldP spid="76" grpId="0" animBg="1"/>
+      <p:bldP spid="76" grpId="1" animBg="1"/>
+      <p:bldP spid="81" grpId="0" animBg="1"/>
+      <p:bldP spid="81" grpId="1" animBg="1"/>
+      <p:bldP spid="82" grpId="0" animBg="1"/>
+      <p:bldP spid="82" grpId="1" animBg="1"/>
+      <p:bldP spid="83" grpId="0" animBg="1"/>
+      <p:bldP spid="83" grpId="1" animBg="1"/>
+      <p:bldP spid="83" grpId="2" animBg="1"/>
+      <p:bldP spid="83" grpId="4" animBg="1"/>
+      <p:bldP spid="83" grpId="5" animBg="1"/>
+      <p:bldP spid="84" grpId="0" animBg="1"/>
+      <p:bldP spid="84" grpId="1" animBg="1"/>
+      <p:bldP spid="85" grpId="0" animBg="1"/>
+      <p:bldP spid="85" grpId="1" animBg="1"/>
+      <p:bldP spid="86" grpId="0" animBg="1"/>
+      <p:bldP spid="86" grpId="1" animBg="1"/>
+      <p:bldP spid="87" grpId="0" animBg="1"/>
+      <p:bldP spid="87" grpId="1" animBg="1"/>
+      <p:bldP spid="88" grpId="0" animBg="1"/>
+      <p:bldP spid="88" grpId="1" animBg="1"/>
+      <p:bldP spid="89" grpId="0" animBg="1"/>
+      <p:bldP spid="89" grpId="1" animBg="1"/>
+      <p:bldP spid="90" grpId="0" animBg="1"/>
+      <p:bldP spid="90" grpId="1" animBg="1"/>
+      <p:bldP spid="91" grpId="0" animBg="1"/>
+      <p:bldP spid="91" grpId="1" animBg="1"/>
+      <p:bldP spid="9" grpId="0" animBg="1"/>
+      <p:bldP spid="9" grpId="1" animBg="1"/>
+      <p:bldP spid="92" grpId="0" animBg="1"/>
+      <p:bldP spid="92" grpId="1" animBg="1"/>
+      <p:bldP spid="93" grpId="0" animBg="1"/>
+      <p:bldP spid="93" grpId="1" animBg="1"/>
+      <p:bldP spid="94" grpId="0" animBg="1"/>
+      <p:bldP spid="94" grpId="1" animBg="1"/>
+      <p:bldP spid="95" grpId="0" animBg="1"/>
+      <p:bldP spid="95" grpId="1" animBg="1"/>
+      <p:bldP spid="96" grpId="0" animBg="1"/>
+      <p:bldP spid="96" grpId="1" animBg="1"/>
+      <p:bldP spid="97" grpId="0" animBg="1"/>
+      <p:bldP spid="97" grpId="1" animBg="1"/>
+      <p:bldP spid="98" grpId="0" animBg="1"/>
+      <p:bldP spid="98" grpId="1" animBg="1"/>
     </p:bldLst>
+  </p:timing>
+</p:sld>
+</file>
+
+<file path=ppt/slides/slide6.xml><?xml version="1.0" encoding="utf-8"?>
+<p:sld xmlns:a="http://schemas.openxmlformats.org/drawingml/2006/main" xmlns:r="http://schemas.openxmlformats.org/officeDocument/2006/relationships" xmlns:p="http://schemas.openxmlformats.org/presentationml/2006/main">
+  <p:cSld>
+    <p:spTree>
+      <p:nvGrpSpPr>
+        <p:cNvPr id="1" name=""/>
+        <p:cNvGrpSpPr/>
+        <p:nvPr/>
+      </p:nvGrpSpPr>
+      <p:grpSpPr>
+        <a:xfrm>
+          <a:off x="0" y="0"/>
+          <a:ext cx="0" cy="0"/>
+          <a:chOff x="0" y="0"/>
+          <a:chExt cx="0" cy="0"/>
+        </a:xfrm>
+      </p:grpSpPr>
+      <p:sp>
+        <p:nvSpPr>
+          <p:cNvPr id="2" name="標題 1"/>
+          <p:cNvSpPr>
+            <a:spLocks noGrp="1"/>
+          </p:cNvSpPr>
+          <p:nvPr>
+            <p:ph type="title"/>
+          </p:nvPr>
+        </p:nvSpPr>
+        <p:spPr/>
+        <p:txBody>
+          <a:bodyPr/>
+          <a:lstStyle/>
+          <a:p>
+            <a:r>
+              <a:rPr lang="zh-TW" altLang="en-US" dirty="0" smtClean="0"/>
+              <a:t>節錄</a:t>
+            </a:r>
+            <a:r>
+              <a:rPr lang="en-US" altLang="zh-TW" dirty="0" smtClean="0"/>
+              <a:t>:</a:t>
+            </a:r>
+            <a:r>
+              <a:rPr lang="zh-TW" altLang="en-US" dirty="0" smtClean="0"/>
+              <a:t>註冊</a:t>
+            </a:r>
+            <a:r>
+              <a:rPr lang="en-US" altLang="zh-TW" dirty="0" smtClean="0"/>
+              <a:t>JS</a:t>
+            </a:r>
+            <a:endParaRPr lang="zh-TW" altLang="en-US" dirty="0"/>
+          </a:p>
+        </p:txBody>
+      </p:sp>
+      <p:pic>
+        <p:nvPicPr>
+          <p:cNvPr id="4" name="圖片 3"/>
+          <p:cNvPicPr>
+            <a:picLocks noChangeAspect="1"/>
+          </p:cNvPicPr>
+          <p:nvPr/>
+        </p:nvPicPr>
+        <p:blipFill>
+          <a:blip r:embed="rId2">
+            <a:extLst>
+              <a:ext uri="{28A0092B-C50C-407E-A947-70E740481C1C}">
+                <a14:useLocalDpi xmlns:a14="http://schemas.microsoft.com/office/drawing/2010/main" val="0"/>
+              </a:ext>
+            </a:extLst>
+          </a:blip>
+          <a:stretch>
+            <a:fillRect/>
+          </a:stretch>
+        </p:blipFill>
+        <p:spPr>
+          <a:xfrm>
+            <a:off x="0" y="1628800"/>
+            <a:ext cx="9144000" cy="4792145"/>
+          </a:xfrm>
+          <a:prstGeom prst="rect">
+            <a:avLst/>
+          </a:prstGeom>
+        </p:spPr>
+      </p:pic>
+    </p:spTree>
+    <p:extLst>
+      <p:ext uri="{BB962C8B-B14F-4D97-AF65-F5344CB8AC3E}">
+        <p14:creationId xmlns:p14="http://schemas.microsoft.com/office/powerpoint/2010/main" val="3751460534"/>
+      </p:ext>
+    </p:extLst>
+  </p:cSld>
+  <p:clrMapOvr>
+    <a:masterClrMapping/>
+  </p:clrMapOvr>
+  <p:timing>
+    <p:tnLst>
+      <p:par>
+        <p:cTn id="1" dur="indefinite" restart="never" nodeType="tmRoot"/>
+      </p:par>
+    </p:tnLst>
+  </p:timing>
+</p:sld>
+</file>
+
+<file path=ppt/slides/slide7.xml><?xml version="1.0" encoding="utf-8"?>
+<p:sld xmlns:a="http://schemas.openxmlformats.org/drawingml/2006/main" xmlns:r="http://schemas.openxmlformats.org/officeDocument/2006/relationships" xmlns:p="http://schemas.openxmlformats.org/presentationml/2006/main">
+  <p:cSld>
+    <p:spTree>
+      <p:nvGrpSpPr>
+        <p:cNvPr id="1" name=""/>
+        <p:cNvGrpSpPr/>
+        <p:nvPr/>
+      </p:nvGrpSpPr>
+      <p:grpSpPr>
+        <a:xfrm>
+          <a:off x="0" y="0"/>
+          <a:ext cx="0" cy="0"/>
+          <a:chOff x="0" y="0"/>
+          <a:chExt cx="0" cy="0"/>
+        </a:xfrm>
+      </p:grpSpPr>
+      <p:sp>
+        <p:nvSpPr>
+          <p:cNvPr id="2" name="標題 1"/>
+          <p:cNvSpPr>
+            <a:spLocks noGrp="1"/>
+          </p:cNvSpPr>
+          <p:nvPr>
+            <p:ph type="title"/>
+          </p:nvPr>
+        </p:nvSpPr>
+        <p:spPr/>
+        <p:txBody>
+          <a:bodyPr/>
+          <a:lstStyle/>
+          <a:p>
+            <a:r>
+              <a:rPr lang="zh-TW" altLang="en-US" dirty="0" smtClean="0"/>
+              <a:t>節錄</a:t>
+            </a:r>
+            <a:r>
+              <a:rPr lang="en-US" altLang="zh-TW" dirty="0" smtClean="0"/>
+              <a:t>:Manager Servlet</a:t>
+            </a:r>
+            <a:endParaRPr lang="zh-TW" altLang="en-US" dirty="0"/>
+          </a:p>
+        </p:txBody>
+      </p:sp>
+      <p:pic>
+        <p:nvPicPr>
+          <p:cNvPr id="4" name="圖片 3"/>
+          <p:cNvPicPr>
+            <a:picLocks noChangeAspect="1"/>
+          </p:cNvPicPr>
+          <p:nvPr/>
+        </p:nvPicPr>
+        <p:blipFill>
+          <a:blip r:embed="rId2">
+            <a:extLst>
+              <a:ext uri="{28A0092B-C50C-407E-A947-70E740481C1C}">
+                <a14:useLocalDpi xmlns:a14="http://schemas.microsoft.com/office/drawing/2010/main" val="0"/>
+              </a:ext>
+            </a:extLst>
+          </a:blip>
+          <a:stretch>
+            <a:fillRect/>
+          </a:stretch>
+        </p:blipFill>
+        <p:spPr>
+          <a:xfrm>
+            <a:off x="-18152" y="1628800"/>
+            <a:ext cx="9144000" cy="4794250"/>
+          </a:xfrm>
+          <a:prstGeom prst="rect">
+            <a:avLst/>
+          </a:prstGeom>
+        </p:spPr>
+      </p:pic>
+    </p:spTree>
+    <p:extLst>
+      <p:ext uri="{BB962C8B-B14F-4D97-AF65-F5344CB8AC3E}">
+        <p14:creationId xmlns:p14="http://schemas.microsoft.com/office/powerpoint/2010/main" val="3551704233"/>
+      </p:ext>
+    </p:extLst>
+  </p:cSld>
+  <p:clrMapOvr>
+    <a:masterClrMapping/>
+  </p:clrMapOvr>
+  <p:timing>
+    <p:tnLst>
+      <p:par>
+        <p:cTn id="1" dur="indefinite" restart="never" nodeType="tmRoot"/>
+      </p:par>
+    </p:tnLst>
+  </p:timing>
+</p:sld>
+</file>
+
+<file path=ppt/slides/slide8.xml><?xml version="1.0" encoding="utf-8"?>
+<p:sld xmlns:a="http://schemas.openxmlformats.org/drawingml/2006/main" xmlns:r="http://schemas.openxmlformats.org/officeDocument/2006/relationships" xmlns:p="http://schemas.openxmlformats.org/presentationml/2006/main">
+  <p:cSld>
+    <p:spTree>
+      <p:nvGrpSpPr>
+        <p:cNvPr id="1" name=""/>
+        <p:cNvGrpSpPr/>
+        <p:nvPr/>
+      </p:nvGrpSpPr>
+      <p:grpSpPr>
+        <a:xfrm>
+          <a:off x="0" y="0"/>
+          <a:ext cx="0" cy="0"/>
+          <a:chOff x="0" y="0"/>
+          <a:chExt cx="0" cy="0"/>
+        </a:xfrm>
+      </p:grpSpPr>
+      <p:sp>
+        <p:nvSpPr>
+          <p:cNvPr id="2" name="標題 1"/>
+          <p:cNvSpPr>
+            <a:spLocks noGrp="1"/>
+          </p:cNvSpPr>
+          <p:nvPr>
+            <p:ph type="title"/>
+          </p:nvPr>
+        </p:nvSpPr>
+        <p:spPr/>
+        <p:txBody>
+          <a:bodyPr/>
+          <a:lstStyle/>
+          <a:p>
+            <a:r>
+              <a:rPr lang="zh-TW" altLang="en-US" dirty="0" smtClean="0"/>
+              <a:t>節錄</a:t>
+            </a:r>
+            <a:r>
+              <a:rPr lang="en-US" altLang="zh-TW" dirty="0" smtClean="0"/>
+              <a:t>:</a:t>
+            </a:r>
+            <a:r>
+              <a:rPr lang="zh-TW" altLang="en-US" dirty="0" smtClean="0"/>
+              <a:t>搜尋網站</a:t>
+            </a:r>
+            <a:endParaRPr lang="zh-TW" altLang="en-US" dirty="0"/>
+          </a:p>
+        </p:txBody>
+      </p:sp>
+      <p:pic>
+        <p:nvPicPr>
+          <p:cNvPr id="4" name="圖片 3"/>
+          <p:cNvPicPr>
+            <a:picLocks noChangeAspect="1"/>
+          </p:cNvPicPr>
+          <p:nvPr/>
+        </p:nvPicPr>
+        <p:blipFill>
+          <a:blip r:embed="rId2">
+            <a:extLst>
+              <a:ext uri="{28A0092B-C50C-407E-A947-70E740481C1C}">
+                <a14:useLocalDpi xmlns:a14="http://schemas.microsoft.com/office/drawing/2010/main" val="0"/>
+              </a:ext>
+            </a:extLst>
+          </a:blip>
+          <a:stretch>
+            <a:fillRect/>
+          </a:stretch>
+        </p:blipFill>
+        <p:spPr>
+          <a:xfrm>
+            <a:off x="0" y="1484784"/>
+            <a:ext cx="9144000" cy="4806950"/>
+          </a:xfrm>
+          <a:prstGeom prst="rect">
+            <a:avLst/>
+          </a:prstGeom>
+        </p:spPr>
+      </p:pic>
+    </p:spTree>
+    <p:extLst>
+      <p:ext uri="{BB962C8B-B14F-4D97-AF65-F5344CB8AC3E}">
+        <p14:creationId xmlns:p14="http://schemas.microsoft.com/office/powerpoint/2010/main" val="3527567183"/>
+      </p:ext>
+    </p:extLst>
+  </p:cSld>
+  <p:clrMapOvr>
+    <a:masterClrMapping/>
+  </p:clrMapOvr>
+  <p:timing>
+    <p:tnLst>
+      <p:par>
+        <p:cTn id="1" dur="indefinite" restart="never" nodeType="tmRoot"/>
+      </p:par>
+    </p:tnLst>
   </p:timing>
 </p:sld>
 </file>
